--- a/Slide/Pamonha.pptx
+++ b/Slide/Pamonha.pptx
@@ -5,16 +5,24 @@
     <p:sldMasterId id="2147483648" r:id="rId1"/>
   </p:sldMasterIdLst>
   <p:notesMasterIdLst>
-    <p:notesMasterId r:id="rId9"/>
+    <p:notesMasterId r:id="rId17"/>
   </p:notesMasterIdLst>
   <p:sldIdLst>
     <p:sldId id="256" r:id="rId2"/>
     <p:sldId id="257" r:id="rId3"/>
     <p:sldId id="258" r:id="rId4"/>
     <p:sldId id="260" r:id="rId5"/>
-    <p:sldId id="259" r:id="rId6"/>
-    <p:sldId id="261" r:id="rId7"/>
-    <p:sldId id="262" r:id="rId8"/>
+    <p:sldId id="263" r:id="rId6"/>
+    <p:sldId id="264" r:id="rId7"/>
+    <p:sldId id="265" r:id="rId8"/>
+    <p:sldId id="266" r:id="rId9"/>
+    <p:sldId id="259" r:id="rId10"/>
+    <p:sldId id="267" r:id="rId11"/>
+    <p:sldId id="269" r:id="rId12"/>
+    <p:sldId id="270" r:id="rId13"/>
+    <p:sldId id="271" r:id="rId14"/>
+    <p:sldId id="268" r:id="rId15"/>
+    <p:sldId id="262" r:id="rId16"/>
   </p:sldIdLst>
   <p:sldSz cx="9144000" cy="6858000" type="screen4x3"/>
   <p:notesSz cx="6858000" cy="9144000"/>
@@ -198,7 +206,8 @@
           <a:p>
             <a:fld id="{E49E4C5D-F5DB-4E37-8C61-AE932C07D5F9}" type="datetimeFigureOut">
               <a:rPr lang="pt-BR" smtClean="0"/>
-              <a:t>27/09/2014</a:t>
+              <a:pPr/>
+              <a:t>22/12/2014</a:t>
             </a:fld>
             <a:endParaRPr lang="pt-BR"/>
           </a:p>
@@ -359,6 +368,7 @@
           <a:p>
             <a:fld id="{06EC4276-2755-4C55-98D0-49475086DF45}" type="slidenum">
               <a:rPr lang="pt-BR" smtClean="0"/>
+              <a:pPr/>
               <a:t>‹nº›</a:t>
             </a:fld>
             <a:endParaRPr lang="pt-BR"/>
@@ -562,7 +572,350 @@
           <a:p>
             <a:fld id="{06EC4276-2755-4C55-98D0-49475086DF45}" type="slidenum">
               <a:rPr lang="pt-BR" smtClean="0"/>
+              <a:pPr/>
               <a:t>3</a:t>
+            </a:fld>
+            <a:endParaRPr lang="pt-BR"/>
+          </a:p>
+        </p:txBody>
+      </p:sp>
+    </p:spTree>
+  </p:cSld>
+  <p:clrMapOvr>
+    <a:masterClrMapping/>
+  </p:clrMapOvr>
+</p:notes>
+</file>
+
+<file path=ppt/notesSlides/notesSlide10.xml><?xml version="1.0" encoding="utf-8"?>
+<p:notes xmlns:a="http://schemas.openxmlformats.org/drawingml/2006/main" xmlns:r="http://schemas.openxmlformats.org/officeDocument/2006/relationships" xmlns:p="http://schemas.openxmlformats.org/presentationml/2006/main">
+  <p:cSld>
+    <p:spTree>
+      <p:nvGrpSpPr>
+        <p:cNvPr id="1" name=""/>
+        <p:cNvGrpSpPr/>
+        <p:nvPr/>
+      </p:nvGrpSpPr>
+      <p:grpSpPr>
+        <a:xfrm>
+          <a:off x="0" y="0"/>
+          <a:ext cx="0" cy="0"/>
+          <a:chOff x="0" y="0"/>
+          <a:chExt cx="0" cy="0"/>
+        </a:xfrm>
+      </p:grpSpPr>
+      <p:sp>
+        <p:nvSpPr>
+          <p:cNvPr id="2" name="Espaço Reservado para Imagem de Slide 1"/>
+          <p:cNvSpPr>
+            <a:spLocks noGrp="1" noRot="1" noChangeAspect="1"/>
+          </p:cNvSpPr>
+          <p:nvPr>
+            <p:ph type="sldImg"/>
+          </p:nvPr>
+        </p:nvSpPr>
+        <p:spPr/>
+      </p:sp>
+      <p:sp>
+        <p:nvSpPr>
+          <p:cNvPr id="3" name="Espaço Reservado para Anotações 2"/>
+          <p:cNvSpPr>
+            <a:spLocks noGrp="1"/>
+          </p:cNvSpPr>
+          <p:nvPr>
+            <p:ph type="body" idx="1"/>
+          </p:nvPr>
+        </p:nvSpPr>
+        <p:spPr/>
+        <p:txBody>
+          <a:bodyPr>
+            <a:normAutofit/>
+          </a:bodyPr>
+          <a:lstStyle/>
+          <a:p>
+            <a:r>
+              <a:rPr lang="pt-BR" dirty="0" smtClean="0"/>
+              <a:t>Windows – </a:t>
+            </a:r>
+            <a:r>
+              <a:rPr lang="pt-BR" dirty="0" err="1" smtClean="0"/>
+              <a:t>Adm</a:t>
+            </a:r>
+            <a:r>
+              <a:rPr lang="pt-BR" dirty="0" smtClean="0"/>
+              <a:t> da loja</a:t>
+            </a:r>
+          </a:p>
+          <a:p>
+            <a:r>
+              <a:rPr lang="pt-BR" dirty="0" smtClean="0"/>
+              <a:t>Web</a:t>
+            </a:r>
+            <a:r>
+              <a:rPr lang="pt-BR" baseline="0" dirty="0" smtClean="0"/>
+              <a:t> – cliente</a:t>
+            </a:r>
+          </a:p>
+          <a:p>
+            <a:r>
+              <a:rPr lang="pt-BR" baseline="0" dirty="0" err="1" smtClean="0"/>
+              <a:t>Android</a:t>
+            </a:r>
+            <a:r>
+              <a:rPr lang="pt-BR" baseline="0" dirty="0" smtClean="0"/>
+              <a:t> -cliente</a:t>
+            </a:r>
+            <a:endParaRPr lang="pt-BR" dirty="0"/>
+          </a:p>
+        </p:txBody>
+      </p:sp>
+      <p:sp>
+        <p:nvSpPr>
+          <p:cNvPr id="4" name="Espaço Reservado para Número de Slide 3"/>
+          <p:cNvSpPr>
+            <a:spLocks noGrp="1"/>
+          </p:cNvSpPr>
+          <p:nvPr>
+            <p:ph type="sldNum" sz="quarter" idx="10"/>
+          </p:nvPr>
+        </p:nvSpPr>
+        <p:spPr/>
+        <p:txBody>
+          <a:bodyPr/>
+          <a:lstStyle/>
+          <a:p>
+            <a:fld id="{06EC4276-2755-4C55-98D0-49475086DF45}" type="slidenum">
+              <a:rPr lang="pt-BR" smtClean="0"/>
+              <a:pPr/>
+              <a:t>12</a:t>
+            </a:fld>
+            <a:endParaRPr lang="pt-BR"/>
+          </a:p>
+        </p:txBody>
+      </p:sp>
+    </p:spTree>
+  </p:cSld>
+  <p:clrMapOvr>
+    <a:masterClrMapping/>
+  </p:clrMapOvr>
+</p:notes>
+</file>
+
+<file path=ppt/notesSlides/notesSlide11.xml><?xml version="1.0" encoding="utf-8"?>
+<p:notes xmlns:a="http://schemas.openxmlformats.org/drawingml/2006/main" xmlns:r="http://schemas.openxmlformats.org/officeDocument/2006/relationships" xmlns:p="http://schemas.openxmlformats.org/presentationml/2006/main">
+  <p:cSld>
+    <p:spTree>
+      <p:nvGrpSpPr>
+        <p:cNvPr id="1" name=""/>
+        <p:cNvGrpSpPr/>
+        <p:nvPr/>
+      </p:nvGrpSpPr>
+      <p:grpSpPr>
+        <a:xfrm>
+          <a:off x="0" y="0"/>
+          <a:ext cx="0" cy="0"/>
+          <a:chOff x="0" y="0"/>
+          <a:chExt cx="0" cy="0"/>
+        </a:xfrm>
+      </p:grpSpPr>
+      <p:sp>
+        <p:nvSpPr>
+          <p:cNvPr id="2" name="Espaço Reservado para Imagem de Slide 1"/>
+          <p:cNvSpPr>
+            <a:spLocks noGrp="1" noRot="1" noChangeAspect="1"/>
+          </p:cNvSpPr>
+          <p:nvPr>
+            <p:ph type="sldImg"/>
+          </p:nvPr>
+        </p:nvSpPr>
+        <p:spPr/>
+      </p:sp>
+      <p:sp>
+        <p:nvSpPr>
+          <p:cNvPr id="3" name="Espaço Reservado para Anotações 2"/>
+          <p:cNvSpPr>
+            <a:spLocks noGrp="1"/>
+          </p:cNvSpPr>
+          <p:nvPr>
+            <p:ph type="body" idx="1"/>
+          </p:nvPr>
+        </p:nvSpPr>
+        <p:spPr/>
+        <p:txBody>
+          <a:bodyPr>
+            <a:normAutofit/>
+          </a:bodyPr>
+          <a:lstStyle/>
+          <a:p>
+            <a:r>
+              <a:rPr lang="pt-BR" dirty="0" smtClean="0"/>
+              <a:t>Windows – </a:t>
+            </a:r>
+            <a:r>
+              <a:rPr lang="pt-BR" dirty="0" err="1" smtClean="0"/>
+              <a:t>Adm</a:t>
+            </a:r>
+            <a:r>
+              <a:rPr lang="pt-BR" dirty="0" smtClean="0"/>
+              <a:t> da loja</a:t>
+            </a:r>
+          </a:p>
+          <a:p>
+            <a:r>
+              <a:rPr lang="pt-BR" dirty="0" smtClean="0"/>
+              <a:t>Web</a:t>
+            </a:r>
+            <a:r>
+              <a:rPr lang="pt-BR" baseline="0" dirty="0" smtClean="0"/>
+              <a:t> – cliente</a:t>
+            </a:r>
+          </a:p>
+          <a:p>
+            <a:r>
+              <a:rPr lang="pt-BR" baseline="0" dirty="0" err="1" smtClean="0"/>
+              <a:t>Android</a:t>
+            </a:r>
+            <a:r>
+              <a:rPr lang="pt-BR" baseline="0" dirty="0" smtClean="0"/>
+              <a:t> -cliente</a:t>
+            </a:r>
+            <a:endParaRPr lang="pt-BR" dirty="0"/>
+          </a:p>
+        </p:txBody>
+      </p:sp>
+      <p:sp>
+        <p:nvSpPr>
+          <p:cNvPr id="4" name="Espaço Reservado para Número de Slide 3"/>
+          <p:cNvSpPr>
+            <a:spLocks noGrp="1"/>
+          </p:cNvSpPr>
+          <p:nvPr>
+            <p:ph type="sldNum" sz="quarter" idx="10"/>
+          </p:nvPr>
+        </p:nvSpPr>
+        <p:spPr/>
+        <p:txBody>
+          <a:bodyPr/>
+          <a:lstStyle/>
+          <a:p>
+            <a:fld id="{06EC4276-2755-4C55-98D0-49475086DF45}" type="slidenum">
+              <a:rPr lang="pt-BR" smtClean="0"/>
+              <a:pPr/>
+              <a:t>13</a:t>
+            </a:fld>
+            <a:endParaRPr lang="pt-BR"/>
+          </a:p>
+        </p:txBody>
+      </p:sp>
+    </p:spTree>
+  </p:cSld>
+  <p:clrMapOvr>
+    <a:masterClrMapping/>
+  </p:clrMapOvr>
+</p:notes>
+</file>
+
+<file path=ppt/notesSlides/notesSlide12.xml><?xml version="1.0" encoding="utf-8"?>
+<p:notes xmlns:a="http://schemas.openxmlformats.org/drawingml/2006/main" xmlns:r="http://schemas.openxmlformats.org/officeDocument/2006/relationships" xmlns:p="http://schemas.openxmlformats.org/presentationml/2006/main">
+  <p:cSld>
+    <p:spTree>
+      <p:nvGrpSpPr>
+        <p:cNvPr id="1" name=""/>
+        <p:cNvGrpSpPr/>
+        <p:nvPr/>
+      </p:nvGrpSpPr>
+      <p:grpSpPr>
+        <a:xfrm>
+          <a:off x="0" y="0"/>
+          <a:ext cx="0" cy="0"/>
+          <a:chOff x="0" y="0"/>
+          <a:chExt cx="0" cy="0"/>
+        </a:xfrm>
+      </p:grpSpPr>
+      <p:sp>
+        <p:nvSpPr>
+          <p:cNvPr id="2" name="Espaço Reservado para Imagem de Slide 1"/>
+          <p:cNvSpPr>
+            <a:spLocks noGrp="1" noRot="1" noChangeAspect="1"/>
+          </p:cNvSpPr>
+          <p:nvPr>
+            <p:ph type="sldImg"/>
+          </p:nvPr>
+        </p:nvSpPr>
+        <p:spPr/>
+      </p:sp>
+      <p:sp>
+        <p:nvSpPr>
+          <p:cNvPr id="3" name="Espaço Reservado para Anotações 2"/>
+          <p:cNvSpPr>
+            <a:spLocks noGrp="1"/>
+          </p:cNvSpPr>
+          <p:nvPr>
+            <p:ph type="body" idx="1"/>
+          </p:nvPr>
+        </p:nvSpPr>
+        <p:spPr/>
+        <p:txBody>
+          <a:bodyPr>
+            <a:normAutofit/>
+          </a:bodyPr>
+          <a:lstStyle/>
+          <a:p>
+            <a:r>
+              <a:rPr lang="pt-BR" dirty="0" smtClean="0"/>
+              <a:t>Windows – </a:t>
+            </a:r>
+            <a:r>
+              <a:rPr lang="pt-BR" dirty="0" err="1" smtClean="0"/>
+              <a:t>Adm</a:t>
+            </a:r>
+            <a:r>
+              <a:rPr lang="pt-BR" dirty="0" smtClean="0"/>
+              <a:t> da loja</a:t>
+            </a:r>
+          </a:p>
+          <a:p>
+            <a:r>
+              <a:rPr lang="pt-BR" dirty="0" smtClean="0"/>
+              <a:t>Web</a:t>
+            </a:r>
+            <a:r>
+              <a:rPr lang="pt-BR" baseline="0" dirty="0" smtClean="0"/>
+              <a:t> – cliente</a:t>
+            </a:r>
+          </a:p>
+          <a:p>
+            <a:r>
+              <a:rPr lang="pt-BR" baseline="0" dirty="0" err="1" smtClean="0"/>
+              <a:t>Android</a:t>
+            </a:r>
+            <a:r>
+              <a:rPr lang="pt-BR" baseline="0" dirty="0" smtClean="0"/>
+              <a:t> -cliente</a:t>
+            </a:r>
+            <a:endParaRPr lang="pt-BR" dirty="0"/>
+          </a:p>
+        </p:txBody>
+      </p:sp>
+      <p:sp>
+        <p:nvSpPr>
+          <p:cNvPr id="4" name="Espaço Reservado para Número de Slide 3"/>
+          <p:cNvSpPr>
+            <a:spLocks noGrp="1"/>
+          </p:cNvSpPr>
+          <p:nvPr>
+            <p:ph type="sldNum" sz="quarter" idx="10"/>
+          </p:nvPr>
+        </p:nvSpPr>
+        <p:spPr/>
+        <p:txBody>
+          <a:bodyPr/>
+          <a:lstStyle/>
+          <a:p>
+            <a:fld id="{06EC4276-2755-4C55-98D0-49475086DF45}" type="slidenum">
+              <a:rPr lang="pt-BR" smtClean="0"/>
+              <a:pPr/>
+              <a:t>14</a:t>
             </a:fld>
             <a:endParaRPr lang="pt-BR"/>
           </a:p>
@@ -675,6 +1028,7 @@
           <a:p>
             <a:fld id="{06EC4276-2755-4C55-98D0-49475086DF45}" type="slidenum">
               <a:rPr lang="pt-BR" smtClean="0"/>
+              <a:pPr/>
               <a:t>4</a:t>
             </a:fld>
             <a:endParaRPr lang="pt-BR"/>
@@ -788,6 +1142,7 @@
           <a:p>
             <a:fld id="{06EC4276-2755-4C55-98D0-49475086DF45}" type="slidenum">
               <a:rPr lang="pt-BR" smtClean="0"/>
+              <a:pPr/>
               <a:t>5</a:t>
             </a:fld>
             <a:endParaRPr lang="pt-BR"/>
@@ -901,7 +1256,578 @@
           <a:p>
             <a:fld id="{06EC4276-2755-4C55-98D0-49475086DF45}" type="slidenum">
               <a:rPr lang="pt-BR" smtClean="0"/>
+              <a:pPr/>
               <a:t>6</a:t>
+            </a:fld>
+            <a:endParaRPr lang="pt-BR"/>
+          </a:p>
+        </p:txBody>
+      </p:sp>
+    </p:spTree>
+  </p:cSld>
+  <p:clrMapOvr>
+    <a:masterClrMapping/>
+  </p:clrMapOvr>
+</p:notes>
+</file>
+
+<file path=ppt/notesSlides/notesSlide5.xml><?xml version="1.0" encoding="utf-8"?>
+<p:notes xmlns:a="http://schemas.openxmlformats.org/drawingml/2006/main" xmlns:r="http://schemas.openxmlformats.org/officeDocument/2006/relationships" xmlns:p="http://schemas.openxmlformats.org/presentationml/2006/main">
+  <p:cSld>
+    <p:spTree>
+      <p:nvGrpSpPr>
+        <p:cNvPr id="1" name=""/>
+        <p:cNvGrpSpPr/>
+        <p:nvPr/>
+      </p:nvGrpSpPr>
+      <p:grpSpPr>
+        <a:xfrm>
+          <a:off x="0" y="0"/>
+          <a:ext cx="0" cy="0"/>
+          <a:chOff x="0" y="0"/>
+          <a:chExt cx="0" cy="0"/>
+        </a:xfrm>
+      </p:grpSpPr>
+      <p:sp>
+        <p:nvSpPr>
+          <p:cNvPr id="2" name="Espaço Reservado para Imagem de Slide 1"/>
+          <p:cNvSpPr>
+            <a:spLocks noGrp="1" noRot="1" noChangeAspect="1"/>
+          </p:cNvSpPr>
+          <p:nvPr>
+            <p:ph type="sldImg"/>
+          </p:nvPr>
+        </p:nvSpPr>
+        <p:spPr/>
+      </p:sp>
+      <p:sp>
+        <p:nvSpPr>
+          <p:cNvPr id="3" name="Espaço Reservado para Anotações 2"/>
+          <p:cNvSpPr>
+            <a:spLocks noGrp="1"/>
+          </p:cNvSpPr>
+          <p:nvPr>
+            <p:ph type="body" idx="1"/>
+          </p:nvPr>
+        </p:nvSpPr>
+        <p:spPr/>
+        <p:txBody>
+          <a:bodyPr>
+            <a:normAutofit/>
+          </a:bodyPr>
+          <a:lstStyle/>
+          <a:p>
+            <a:r>
+              <a:rPr lang="pt-BR" dirty="0" smtClean="0"/>
+              <a:t>Windows – </a:t>
+            </a:r>
+            <a:r>
+              <a:rPr lang="pt-BR" dirty="0" err="1" smtClean="0"/>
+              <a:t>Adm</a:t>
+            </a:r>
+            <a:r>
+              <a:rPr lang="pt-BR" dirty="0" smtClean="0"/>
+              <a:t> da loja</a:t>
+            </a:r>
+          </a:p>
+          <a:p>
+            <a:r>
+              <a:rPr lang="pt-BR" dirty="0" smtClean="0"/>
+              <a:t>Web</a:t>
+            </a:r>
+            <a:r>
+              <a:rPr lang="pt-BR" baseline="0" dirty="0" smtClean="0"/>
+              <a:t> – cliente</a:t>
+            </a:r>
+          </a:p>
+          <a:p>
+            <a:r>
+              <a:rPr lang="pt-BR" baseline="0" dirty="0" err="1" smtClean="0"/>
+              <a:t>Android</a:t>
+            </a:r>
+            <a:r>
+              <a:rPr lang="pt-BR" baseline="0" dirty="0" smtClean="0"/>
+              <a:t> -cliente</a:t>
+            </a:r>
+            <a:endParaRPr lang="pt-BR" dirty="0"/>
+          </a:p>
+        </p:txBody>
+      </p:sp>
+      <p:sp>
+        <p:nvSpPr>
+          <p:cNvPr id="4" name="Espaço Reservado para Número de Slide 3"/>
+          <p:cNvSpPr>
+            <a:spLocks noGrp="1"/>
+          </p:cNvSpPr>
+          <p:nvPr>
+            <p:ph type="sldNum" sz="quarter" idx="10"/>
+          </p:nvPr>
+        </p:nvSpPr>
+        <p:spPr/>
+        <p:txBody>
+          <a:bodyPr/>
+          <a:lstStyle/>
+          <a:p>
+            <a:fld id="{06EC4276-2755-4C55-98D0-49475086DF45}" type="slidenum">
+              <a:rPr lang="pt-BR" smtClean="0"/>
+              <a:pPr/>
+              <a:t>7</a:t>
+            </a:fld>
+            <a:endParaRPr lang="pt-BR"/>
+          </a:p>
+        </p:txBody>
+      </p:sp>
+    </p:spTree>
+  </p:cSld>
+  <p:clrMapOvr>
+    <a:masterClrMapping/>
+  </p:clrMapOvr>
+</p:notes>
+</file>
+
+<file path=ppt/notesSlides/notesSlide6.xml><?xml version="1.0" encoding="utf-8"?>
+<p:notes xmlns:a="http://schemas.openxmlformats.org/drawingml/2006/main" xmlns:r="http://schemas.openxmlformats.org/officeDocument/2006/relationships" xmlns:p="http://schemas.openxmlformats.org/presentationml/2006/main">
+  <p:cSld>
+    <p:spTree>
+      <p:nvGrpSpPr>
+        <p:cNvPr id="1" name=""/>
+        <p:cNvGrpSpPr/>
+        <p:nvPr/>
+      </p:nvGrpSpPr>
+      <p:grpSpPr>
+        <a:xfrm>
+          <a:off x="0" y="0"/>
+          <a:ext cx="0" cy="0"/>
+          <a:chOff x="0" y="0"/>
+          <a:chExt cx="0" cy="0"/>
+        </a:xfrm>
+      </p:grpSpPr>
+      <p:sp>
+        <p:nvSpPr>
+          <p:cNvPr id="2" name="Espaço Reservado para Imagem de Slide 1"/>
+          <p:cNvSpPr>
+            <a:spLocks noGrp="1" noRot="1" noChangeAspect="1"/>
+          </p:cNvSpPr>
+          <p:nvPr>
+            <p:ph type="sldImg"/>
+          </p:nvPr>
+        </p:nvSpPr>
+        <p:spPr/>
+      </p:sp>
+      <p:sp>
+        <p:nvSpPr>
+          <p:cNvPr id="3" name="Espaço Reservado para Anotações 2"/>
+          <p:cNvSpPr>
+            <a:spLocks noGrp="1"/>
+          </p:cNvSpPr>
+          <p:nvPr>
+            <p:ph type="body" idx="1"/>
+          </p:nvPr>
+        </p:nvSpPr>
+        <p:spPr/>
+        <p:txBody>
+          <a:bodyPr>
+            <a:normAutofit/>
+          </a:bodyPr>
+          <a:lstStyle/>
+          <a:p>
+            <a:r>
+              <a:rPr lang="pt-BR" dirty="0" smtClean="0"/>
+              <a:t>Windows – </a:t>
+            </a:r>
+            <a:r>
+              <a:rPr lang="pt-BR" dirty="0" err="1" smtClean="0"/>
+              <a:t>Adm</a:t>
+            </a:r>
+            <a:r>
+              <a:rPr lang="pt-BR" dirty="0" smtClean="0"/>
+              <a:t> da loja</a:t>
+            </a:r>
+          </a:p>
+          <a:p>
+            <a:r>
+              <a:rPr lang="pt-BR" dirty="0" smtClean="0"/>
+              <a:t>Web</a:t>
+            </a:r>
+            <a:r>
+              <a:rPr lang="pt-BR" baseline="0" dirty="0" smtClean="0"/>
+              <a:t> – cliente</a:t>
+            </a:r>
+          </a:p>
+          <a:p>
+            <a:r>
+              <a:rPr lang="pt-BR" baseline="0" dirty="0" err="1" smtClean="0"/>
+              <a:t>Android</a:t>
+            </a:r>
+            <a:r>
+              <a:rPr lang="pt-BR" baseline="0" dirty="0" smtClean="0"/>
+              <a:t> -cliente</a:t>
+            </a:r>
+            <a:endParaRPr lang="pt-BR" dirty="0"/>
+          </a:p>
+        </p:txBody>
+      </p:sp>
+      <p:sp>
+        <p:nvSpPr>
+          <p:cNvPr id="4" name="Espaço Reservado para Número de Slide 3"/>
+          <p:cNvSpPr>
+            <a:spLocks noGrp="1"/>
+          </p:cNvSpPr>
+          <p:nvPr>
+            <p:ph type="sldNum" sz="quarter" idx="10"/>
+          </p:nvPr>
+        </p:nvSpPr>
+        <p:spPr/>
+        <p:txBody>
+          <a:bodyPr/>
+          <a:lstStyle/>
+          <a:p>
+            <a:fld id="{06EC4276-2755-4C55-98D0-49475086DF45}" type="slidenum">
+              <a:rPr lang="pt-BR" smtClean="0"/>
+              <a:pPr/>
+              <a:t>8</a:t>
+            </a:fld>
+            <a:endParaRPr lang="pt-BR"/>
+          </a:p>
+        </p:txBody>
+      </p:sp>
+    </p:spTree>
+  </p:cSld>
+  <p:clrMapOvr>
+    <a:masterClrMapping/>
+  </p:clrMapOvr>
+</p:notes>
+</file>
+
+<file path=ppt/notesSlides/notesSlide7.xml><?xml version="1.0" encoding="utf-8"?>
+<p:notes xmlns:a="http://schemas.openxmlformats.org/drawingml/2006/main" xmlns:r="http://schemas.openxmlformats.org/officeDocument/2006/relationships" xmlns:p="http://schemas.openxmlformats.org/presentationml/2006/main">
+  <p:cSld>
+    <p:spTree>
+      <p:nvGrpSpPr>
+        <p:cNvPr id="1" name=""/>
+        <p:cNvGrpSpPr/>
+        <p:nvPr/>
+      </p:nvGrpSpPr>
+      <p:grpSpPr>
+        <a:xfrm>
+          <a:off x="0" y="0"/>
+          <a:ext cx="0" cy="0"/>
+          <a:chOff x="0" y="0"/>
+          <a:chExt cx="0" cy="0"/>
+        </a:xfrm>
+      </p:grpSpPr>
+      <p:sp>
+        <p:nvSpPr>
+          <p:cNvPr id="2" name="Espaço Reservado para Imagem de Slide 1"/>
+          <p:cNvSpPr>
+            <a:spLocks noGrp="1" noRot="1" noChangeAspect="1"/>
+          </p:cNvSpPr>
+          <p:nvPr>
+            <p:ph type="sldImg"/>
+          </p:nvPr>
+        </p:nvSpPr>
+        <p:spPr/>
+      </p:sp>
+      <p:sp>
+        <p:nvSpPr>
+          <p:cNvPr id="3" name="Espaço Reservado para Anotações 2"/>
+          <p:cNvSpPr>
+            <a:spLocks noGrp="1"/>
+          </p:cNvSpPr>
+          <p:nvPr>
+            <p:ph type="body" idx="1"/>
+          </p:nvPr>
+        </p:nvSpPr>
+        <p:spPr/>
+        <p:txBody>
+          <a:bodyPr>
+            <a:normAutofit/>
+          </a:bodyPr>
+          <a:lstStyle/>
+          <a:p>
+            <a:r>
+              <a:rPr lang="pt-BR" dirty="0" smtClean="0"/>
+              <a:t>Windows – </a:t>
+            </a:r>
+            <a:r>
+              <a:rPr lang="pt-BR" dirty="0" err="1" smtClean="0"/>
+              <a:t>Adm</a:t>
+            </a:r>
+            <a:r>
+              <a:rPr lang="pt-BR" dirty="0" smtClean="0"/>
+              <a:t> da loja</a:t>
+            </a:r>
+          </a:p>
+          <a:p>
+            <a:r>
+              <a:rPr lang="pt-BR" dirty="0" smtClean="0"/>
+              <a:t>Web</a:t>
+            </a:r>
+            <a:r>
+              <a:rPr lang="pt-BR" baseline="0" dirty="0" smtClean="0"/>
+              <a:t> – cliente</a:t>
+            </a:r>
+          </a:p>
+          <a:p>
+            <a:r>
+              <a:rPr lang="pt-BR" baseline="0" dirty="0" err="1" smtClean="0"/>
+              <a:t>Android</a:t>
+            </a:r>
+            <a:r>
+              <a:rPr lang="pt-BR" baseline="0" dirty="0" smtClean="0"/>
+              <a:t> -cliente</a:t>
+            </a:r>
+            <a:endParaRPr lang="pt-BR" dirty="0"/>
+          </a:p>
+        </p:txBody>
+      </p:sp>
+      <p:sp>
+        <p:nvSpPr>
+          <p:cNvPr id="4" name="Espaço Reservado para Número de Slide 3"/>
+          <p:cNvSpPr>
+            <a:spLocks noGrp="1"/>
+          </p:cNvSpPr>
+          <p:nvPr>
+            <p:ph type="sldNum" sz="quarter" idx="10"/>
+          </p:nvPr>
+        </p:nvSpPr>
+        <p:spPr/>
+        <p:txBody>
+          <a:bodyPr/>
+          <a:lstStyle/>
+          <a:p>
+            <a:fld id="{06EC4276-2755-4C55-98D0-49475086DF45}" type="slidenum">
+              <a:rPr lang="pt-BR" smtClean="0"/>
+              <a:pPr/>
+              <a:t>9</a:t>
+            </a:fld>
+            <a:endParaRPr lang="pt-BR"/>
+          </a:p>
+        </p:txBody>
+      </p:sp>
+    </p:spTree>
+  </p:cSld>
+  <p:clrMapOvr>
+    <a:masterClrMapping/>
+  </p:clrMapOvr>
+</p:notes>
+</file>
+
+<file path=ppt/notesSlides/notesSlide8.xml><?xml version="1.0" encoding="utf-8"?>
+<p:notes xmlns:a="http://schemas.openxmlformats.org/drawingml/2006/main" xmlns:r="http://schemas.openxmlformats.org/officeDocument/2006/relationships" xmlns:p="http://schemas.openxmlformats.org/presentationml/2006/main">
+  <p:cSld>
+    <p:spTree>
+      <p:nvGrpSpPr>
+        <p:cNvPr id="1" name=""/>
+        <p:cNvGrpSpPr/>
+        <p:nvPr/>
+      </p:nvGrpSpPr>
+      <p:grpSpPr>
+        <a:xfrm>
+          <a:off x="0" y="0"/>
+          <a:ext cx="0" cy="0"/>
+          <a:chOff x="0" y="0"/>
+          <a:chExt cx="0" cy="0"/>
+        </a:xfrm>
+      </p:grpSpPr>
+      <p:sp>
+        <p:nvSpPr>
+          <p:cNvPr id="2" name="Espaço Reservado para Imagem de Slide 1"/>
+          <p:cNvSpPr>
+            <a:spLocks noGrp="1" noRot="1" noChangeAspect="1"/>
+          </p:cNvSpPr>
+          <p:nvPr>
+            <p:ph type="sldImg"/>
+          </p:nvPr>
+        </p:nvSpPr>
+        <p:spPr/>
+      </p:sp>
+      <p:sp>
+        <p:nvSpPr>
+          <p:cNvPr id="3" name="Espaço Reservado para Anotações 2"/>
+          <p:cNvSpPr>
+            <a:spLocks noGrp="1"/>
+          </p:cNvSpPr>
+          <p:nvPr>
+            <p:ph type="body" idx="1"/>
+          </p:nvPr>
+        </p:nvSpPr>
+        <p:spPr/>
+        <p:txBody>
+          <a:bodyPr>
+            <a:normAutofit/>
+          </a:bodyPr>
+          <a:lstStyle/>
+          <a:p>
+            <a:r>
+              <a:rPr lang="pt-BR" dirty="0" smtClean="0"/>
+              <a:t>Windows – </a:t>
+            </a:r>
+            <a:r>
+              <a:rPr lang="pt-BR" dirty="0" err="1" smtClean="0"/>
+              <a:t>Adm</a:t>
+            </a:r>
+            <a:r>
+              <a:rPr lang="pt-BR" dirty="0" smtClean="0"/>
+              <a:t> da loja</a:t>
+            </a:r>
+          </a:p>
+          <a:p>
+            <a:r>
+              <a:rPr lang="pt-BR" dirty="0" smtClean="0"/>
+              <a:t>Web</a:t>
+            </a:r>
+            <a:r>
+              <a:rPr lang="pt-BR" baseline="0" dirty="0" smtClean="0"/>
+              <a:t> – cliente</a:t>
+            </a:r>
+          </a:p>
+          <a:p>
+            <a:r>
+              <a:rPr lang="pt-BR" baseline="0" dirty="0" err="1" smtClean="0"/>
+              <a:t>Android</a:t>
+            </a:r>
+            <a:r>
+              <a:rPr lang="pt-BR" baseline="0" dirty="0" smtClean="0"/>
+              <a:t> -cliente</a:t>
+            </a:r>
+            <a:endParaRPr lang="pt-BR" dirty="0"/>
+          </a:p>
+        </p:txBody>
+      </p:sp>
+      <p:sp>
+        <p:nvSpPr>
+          <p:cNvPr id="4" name="Espaço Reservado para Número de Slide 3"/>
+          <p:cNvSpPr>
+            <a:spLocks noGrp="1"/>
+          </p:cNvSpPr>
+          <p:nvPr>
+            <p:ph type="sldNum" sz="quarter" idx="10"/>
+          </p:nvPr>
+        </p:nvSpPr>
+        <p:spPr/>
+        <p:txBody>
+          <a:bodyPr/>
+          <a:lstStyle/>
+          <a:p>
+            <a:fld id="{06EC4276-2755-4C55-98D0-49475086DF45}" type="slidenum">
+              <a:rPr lang="pt-BR" smtClean="0"/>
+              <a:pPr/>
+              <a:t>10</a:t>
+            </a:fld>
+            <a:endParaRPr lang="pt-BR"/>
+          </a:p>
+        </p:txBody>
+      </p:sp>
+    </p:spTree>
+  </p:cSld>
+  <p:clrMapOvr>
+    <a:masterClrMapping/>
+  </p:clrMapOvr>
+</p:notes>
+</file>
+
+<file path=ppt/notesSlides/notesSlide9.xml><?xml version="1.0" encoding="utf-8"?>
+<p:notes xmlns:a="http://schemas.openxmlformats.org/drawingml/2006/main" xmlns:r="http://schemas.openxmlformats.org/officeDocument/2006/relationships" xmlns:p="http://schemas.openxmlformats.org/presentationml/2006/main">
+  <p:cSld>
+    <p:spTree>
+      <p:nvGrpSpPr>
+        <p:cNvPr id="1" name=""/>
+        <p:cNvGrpSpPr/>
+        <p:nvPr/>
+      </p:nvGrpSpPr>
+      <p:grpSpPr>
+        <a:xfrm>
+          <a:off x="0" y="0"/>
+          <a:ext cx="0" cy="0"/>
+          <a:chOff x="0" y="0"/>
+          <a:chExt cx="0" cy="0"/>
+        </a:xfrm>
+      </p:grpSpPr>
+      <p:sp>
+        <p:nvSpPr>
+          <p:cNvPr id="2" name="Espaço Reservado para Imagem de Slide 1"/>
+          <p:cNvSpPr>
+            <a:spLocks noGrp="1" noRot="1" noChangeAspect="1"/>
+          </p:cNvSpPr>
+          <p:nvPr>
+            <p:ph type="sldImg"/>
+          </p:nvPr>
+        </p:nvSpPr>
+        <p:spPr/>
+      </p:sp>
+      <p:sp>
+        <p:nvSpPr>
+          <p:cNvPr id="3" name="Espaço Reservado para Anotações 2"/>
+          <p:cNvSpPr>
+            <a:spLocks noGrp="1"/>
+          </p:cNvSpPr>
+          <p:nvPr>
+            <p:ph type="body" idx="1"/>
+          </p:nvPr>
+        </p:nvSpPr>
+        <p:spPr/>
+        <p:txBody>
+          <a:bodyPr>
+            <a:normAutofit/>
+          </a:bodyPr>
+          <a:lstStyle/>
+          <a:p>
+            <a:r>
+              <a:rPr lang="pt-BR" dirty="0" smtClean="0"/>
+              <a:t>Windows – </a:t>
+            </a:r>
+            <a:r>
+              <a:rPr lang="pt-BR" dirty="0" err="1" smtClean="0"/>
+              <a:t>Adm</a:t>
+            </a:r>
+            <a:r>
+              <a:rPr lang="pt-BR" dirty="0" smtClean="0"/>
+              <a:t> da loja</a:t>
+            </a:r>
+          </a:p>
+          <a:p>
+            <a:r>
+              <a:rPr lang="pt-BR" dirty="0" smtClean="0"/>
+              <a:t>Web</a:t>
+            </a:r>
+            <a:r>
+              <a:rPr lang="pt-BR" baseline="0" dirty="0" smtClean="0"/>
+              <a:t> – cliente</a:t>
+            </a:r>
+          </a:p>
+          <a:p>
+            <a:r>
+              <a:rPr lang="pt-BR" baseline="0" dirty="0" err="1" smtClean="0"/>
+              <a:t>Android</a:t>
+            </a:r>
+            <a:r>
+              <a:rPr lang="pt-BR" baseline="0" dirty="0" smtClean="0"/>
+              <a:t> -cliente</a:t>
+            </a:r>
+            <a:endParaRPr lang="pt-BR" dirty="0"/>
+          </a:p>
+        </p:txBody>
+      </p:sp>
+      <p:sp>
+        <p:nvSpPr>
+          <p:cNvPr id="4" name="Espaço Reservado para Número de Slide 3"/>
+          <p:cNvSpPr>
+            <a:spLocks noGrp="1"/>
+          </p:cNvSpPr>
+          <p:nvPr>
+            <p:ph type="sldNum" sz="quarter" idx="10"/>
+          </p:nvPr>
+        </p:nvSpPr>
+        <p:spPr/>
+        <p:txBody>
+          <a:bodyPr/>
+          <a:lstStyle/>
+          <a:p>
+            <a:fld id="{06EC4276-2755-4C55-98D0-49475086DF45}" type="slidenum">
+              <a:rPr lang="pt-BR" smtClean="0"/>
+              <a:pPr/>
+              <a:t>11</a:t>
             </a:fld>
             <a:endParaRPr lang="pt-BR"/>
           </a:p>
@@ -1096,7 +2022,8 @@
           <a:p>
             <a:fld id="{83D2E4FE-9DF2-412A-ABB1-B986A3594005}" type="datetimeFigureOut">
               <a:rPr lang="pt-BR" smtClean="0"/>
-              <a:t>27/09/2014</a:t>
+              <a:pPr/>
+              <a:t>22/12/2014</a:t>
             </a:fld>
             <a:endParaRPr lang="pt-BR"/>
           </a:p>
@@ -1138,6 +2065,7 @@
           <a:p>
             <a:fld id="{0123855A-1CC9-4EBC-9A77-0E1121C66F83}" type="slidenum">
               <a:rPr lang="pt-BR" smtClean="0"/>
+              <a:pPr/>
               <a:t>‹nº›</a:t>
             </a:fld>
             <a:endParaRPr lang="pt-BR"/>
@@ -1261,7 +2189,8 @@
           <a:p>
             <a:fld id="{83D2E4FE-9DF2-412A-ABB1-B986A3594005}" type="datetimeFigureOut">
               <a:rPr lang="pt-BR" smtClean="0"/>
-              <a:t>27/09/2014</a:t>
+              <a:pPr/>
+              <a:t>22/12/2014</a:t>
             </a:fld>
             <a:endParaRPr lang="pt-BR"/>
           </a:p>
@@ -1303,6 +2232,7 @@
           <a:p>
             <a:fld id="{0123855A-1CC9-4EBC-9A77-0E1121C66F83}" type="slidenum">
               <a:rPr lang="pt-BR" smtClean="0"/>
+              <a:pPr/>
               <a:t>‹nº›</a:t>
             </a:fld>
             <a:endParaRPr lang="pt-BR"/>
@@ -1436,7 +2366,8 @@
           <a:p>
             <a:fld id="{83D2E4FE-9DF2-412A-ABB1-B986A3594005}" type="datetimeFigureOut">
               <a:rPr lang="pt-BR" smtClean="0"/>
-              <a:t>27/09/2014</a:t>
+              <a:pPr/>
+              <a:t>22/12/2014</a:t>
             </a:fld>
             <a:endParaRPr lang="pt-BR"/>
           </a:p>
@@ -1478,6 +2409,7 @@
           <a:p>
             <a:fld id="{0123855A-1CC9-4EBC-9A77-0E1121C66F83}" type="slidenum">
               <a:rPr lang="pt-BR" smtClean="0"/>
+              <a:pPr/>
               <a:t>‹nº›</a:t>
             </a:fld>
             <a:endParaRPr lang="pt-BR"/>
@@ -1601,7 +2533,8 @@
           <a:p>
             <a:fld id="{83D2E4FE-9DF2-412A-ABB1-B986A3594005}" type="datetimeFigureOut">
               <a:rPr lang="pt-BR" smtClean="0"/>
-              <a:t>27/09/2014</a:t>
+              <a:pPr/>
+              <a:t>22/12/2014</a:t>
             </a:fld>
             <a:endParaRPr lang="pt-BR"/>
           </a:p>
@@ -1643,6 +2576,7 @@
           <a:p>
             <a:fld id="{0123855A-1CC9-4EBC-9A77-0E1121C66F83}" type="slidenum">
               <a:rPr lang="pt-BR" smtClean="0"/>
+              <a:pPr/>
               <a:t>‹nº›</a:t>
             </a:fld>
             <a:endParaRPr lang="pt-BR"/>
@@ -1842,7 +2776,8 @@
           <a:p>
             <a:fld id="{83D2E4FE-9DF2-412A-ABB1-B986A3594005}" type="datetimeFigureOut">
               <a:rPr lang="pt-BR" smtClean="0"/>
-              <a:t>27/09/2014</a:t>
+              <a:pPr/>
+              <a:t>22/12/2014</a:t>
             </a:fld>
             <a:endParaRPr lang="pt-BR"/>
           </a:p>
@@ -1884,6 +2819,7 @@
           <a:p>
             <a:fld id="{0123855A-1CC9-4EBC-9A77-0E1121C66F83}" type="slidenum">
               <a:rPr lang="pt-BR" smtClean="0"/>
+              <a:pPr/>
               <a:t>‹nº›</a:t>
             </a:fld>
             <a:endParaRPr lang="pt-BR"/>
@@ -2125,7 +3061,8 @@
           <a:p>
             <a:fld id="{83D2E4FE-9DF2-412A-ABB1-B986A3594005}" type="datetimeFigureOut">
               <a:rPr lang="pt-BR" smtClean="0"/>
-              <a:t>27/09/2014</a:t>
+              <a:pPr/>
+              <a:t>22/12/2014</a:t>
             </a:fld>
             <a:endParaRPr lang="pt-BR"/>
           </a:p>
@@ -2167,6 +3104,7 @@
           <a:p>
             <a:fld id="{0123855A-1CC9-4EBC-9A77-0E1121C66F83}" type="slidenum">
               <a:rPr lang="pt-BR" smtClean="0"/>
+              <a:pPr/>
               <a:t>‹nº›</a:t>
             </a:fld>
             <a:endParaRPr lang="pt-BR"/>
@@ -2542,7 +3480,8 @@
           <a:p>
             <a:fld id="{83D2E4FE-9DF2-412A-ABB1-B986A3594005}" type="datetimeFigureOut">
               <a:rPr lang="pt-BR" smtClean="0"/>
-              <a:t>27/09/2014</a:t>
+              <a:pPr/>
+              <a:t>22/12/2014</a:t>
             </a:fld>
             <a:endParaRPr lang="pt-BR"/>
           </a:p>
@@ -2584,6 +3523,7 @@
           <a:p>
             <a:fld id="{0123855A-1CC9-4EBC-9A77-0E1121C66F83}" type="slidenum">
               <a:rPr lang="pt-BR" smtClean="0"/>
+              <a:pPr/>
               <a:t>‹nº›</a:t>
             </a:fld>
             <a:endParaRPr lang="pt-BR"/>
@@ -2655,7 +3595,8 @@
           <a:p>
             <a:fld id="{83D2E4FE-9DF2-412A-ABB1-B986A3594005}" type="datetimeFigureOut">
               <a:rPr lang="pt-BR" smtClean="0"/>
-              <a:t>27/09/2014</a:t>
+              <a:pPr/>
+              <a:t>22/12/2014</a:t>
             </a:fld>
             <a:endParaRPr lang="pt-BR"/>
           </a:p>
@@ -2697,6 +3638,7 @@
           <a:p>
             <a:fld id="{0123855A-1CC9-4EBC-9A77-0E1121C66F83}" type="slidenum">
               <a:rPr lang="pt-BR" smtClean="0"/>
+              <a:pPr/>
               <a:t>‹nº›</a:t>
             </a:fld>
             <a:endParaRPr lang="pt-BR"/>
@@ -2745,7 +3687,8 @@
           <a:p>
             <a:fld id="{83D2E4FE-9DF2-412A-ABB1-B986A3594005}" type="datetimeFigureOut">
               <a:rPr lang="pt-BR" smtClean="0"/>
-              <a:t>27/09/2014</a:t>
+              <a:pPr/>
+              <a:t>22/12/2014</a:t>
             </a:fld>
             <a:endParaRPr lang="pt-BR"/>
           </a:p>
@@ -2787,6 +3730,7 @@
           <a:p>
             <a:fld id="{0123855A-1CC9-4EBC-9A77-0E1121C66F83}" type="slidenum">
               <a:rPr lang="pt-BR" smtClean="0"/>
+              <a:pPr/>
               <a:t>‹nº›</a:t>
             </a:fld>
             <a:endParaRPr lang="pt-BR"/>
@@ -3017,7 +3961,8 @@
           <a:p>
             <a:fld id="{83D2E4FE-9DF2-412A-ABB1-B986A3594005}" type="datetimeFigureOut">
               <a:rPr lang="pt-BR" smtClean="0"/>
-              <a:t>27/09/2014</a:t>
+              <a:pPr/>
+              <a:t>22/12/2014</a:t>
             </a:fld>
             <a:endParaRPr lang="pt-BR"/>
           </a:p>
@@ -3059,6 +4004,7 @@
           <a:p>
             <a:fld id="{0123855A-1CC9-4EBC-9A77-0E1121C66F83}" type="slidenum">
               <a:rPr lang="pt-BR" smtClean="0"/>
+              <a:pPr/>
               <a:t>‹nº›</a:t>
             </a:fld>
             <a:endParaRPr lang="pt-BR"/>
@@ -3265,7 +4211,8 @@
           <a:p>
             <a:fld id="{83D2E4FE-9DF2-412A-ABB1-B986A3594005}" type="datetimeFigureOut">
               <a:rPr lang="pt-BR" smtClean="0"/>
-              <a:t>27/09/2014</a:t>
+              <a:pPr/>
+              <a:t>22/12/2014</a:t>
             </a:fld>
             <a:endParaRPr lang="pt-BR"/>
           </a:p>
@@ -3307,6 +4254,7 @@
           <a:p>
             <a:fld id="{0123855A-1CC9-4EBC-9A77-0E1121C66F83}" type="slidenum">
               <a:rPr lang="pt-BR" smtClean="0"/>
+              <a:pPr/>
               <a:t>‹nº›</a:t>
             </a:fld>
             <a:endParaRPr lang="pt-BR"/>
@@ -3473,7 +4421,8 @@
           <a:p>
             <a:fld id="{83D2E4FE-9DF2-412A-ABB1-B986A3594005}" type="datetimeFigureOut">
               <a:rPr lang="pt-BR" smtClean="0"/>
-              <a:t>27/09/2014</a:t>
+              <a:pPr/>
+              <a:t>22/12/2014</a:t>
             </a:fld>
             <a:endParaRPr lang="pt-BR"/>
           </a:p>
@@ -3551,6 +4500,7 @@
           <a:p>
             <a:fld id="{0123855A-1CC9-4EBC-9A77-0E1121C66F83}" type="slidenum">
               <a:rPr lang="pt-BR" smtClean="0"/>
+              <a:pPr/>
               <a:t>‹nº›</a:t>
             </a:fld>
             <a:endParaRPr lang="pt-BR"/>
@@ -4196,6 +5146,1304 @@
 </p:sld>
 </file>
 
+<file path=ppt/slides/slide10.xml><?xml version="1.0" encoding="utf-8"?>
+<p:sld xmlns:a="http://schemas.openxmlformats.org/drawingml/2006/main" xmlns:r="http://schemas.openxmlformats.org/officeDocument/2006/relationships" xmlns:p="http://schemas.openxmlformats.org/presentationml/2006/main">
+  <p:cSld>
+    <p:spTree>
+      <p:nvGrpSpPr>
+        <p:cNvPr id="1" name=""/>
+        <p:cNvGrpSpPr/>
+        <p:nvPr/>
+      </p:nvGrpSpPr>
+      <p:grpSpPr>
+        <a:xfrm>
+          <a:off x="0" y="0"/>
+          <a:ext cx="0" cy="0"/>
+          <a:chOff x="0" y="0"/>
+          <a:chExt cx="0" cy="0"/>
+        </a:xfrm>
+      </p:grpSpPr>
+      <p:pic>
+        <p:nvPicPr>
+          <p:cNvPr id="11" name="Imagem 10" descr="Grama.jpg"/>
+          <p:cNvPicPr>
+            <a:picLocks noChangeAspect="1"/>
+          </p:cNvPicPr>
+          <p:nvPr/>
+        </p:nvPicPr>
+        <p:blipFill>
+          <a:blip r:embed="rId3" cstate="print"/>
+          <a:srcRect l="8333" r="8333"/>
+          <a:stretch>
+            <a:fillRect/>
+          </a:stretch>
+        </p:blipFill>
+        <p:spPr>
+          <a:xfrm>
+            <a:off x="0" y="0"/>
+            <a:ext cx="9144000" cy="6858000"/>
+          </a:xfrm>
+          <a:prstGeom prst="rect">
+            <a:avLst/>
+          </a:prstGeom>
+        </p:spPr>
+      </p:pic>
+      <p:pic>
+        <p:nvPicPr>
+          <p:cNvPr id="7" name="Imagem 6" descr="logo.png"/>
+          <p:cNvPicPr>
+            <a:picLocks noChangeAspect="1"/>
+          </p:cNvPicPr>
+          <p:nvPr/>
+        </p:nvPicPr>
+        <p:blipFill>
+          <a:blip r:embed="rId4" cstate="print"/>
+          <a:srcRect l="12574" t="13708" r="12574" b="29586"/>
+          <a:stretch>
+            <a:fillRect/>
+          </a:stretch>
+        </p:blipFill>
+        <p:spPr>
+          <a:xfrm>
+            <a:off x="7596336" y="188640"/>
+            <a:ext cx="1368152" cy="1036479"/>
+          </a:xfrm>
+          <a:prstGeom prst="rect">
+            <a:avLst/>
+          </a:prstGeom>
+        </p:spPr>
+      </p:pic>
+      <p:sp>
+        <p:nvSpPr>
+          <p:cNvPr id="12" name="Retângulo 11"/>
+          <p:cNvSpPr/>
+          <p:nvPr/>
+        </p:nvSpPr>
+        <p:spPr>
+          <a:xfrm>
+            <a:off x="251520" y="188640"/>
+            <a:ext cx="7920880" cy="923330"/>
+          </a:xfrm>
+          <a:prstGeom prst="rect">
+            <a:avLst/>
+          </a:prstGeom>
+          <a:noFill/>
+        </p:spPr>
+        <p:txBody>
+          <a:bodyPr wrap="square" lIns="91440" tIns="45720" rIns="91440" bIns="45720">
+            <a:spAutoFit/>
+          </a:bodyPr>
+          <a:lstStyle/>
+          <a:p>
+            <a:r>
+              <a:rPr lang="pt-BR" sz="5400" b="1" dirty="0" smtClean="0">
+                <a:ln w="17780" cmpd="sng">
+                  <a:solidFill>
+                    <a:srgbClr val="FFFFFF"/>
+                  </a:solidFill>
+                  <a:prstDash val="solid"/>
+                  <a:miter lim="800000"/>
+                </a:ln>
+                <a:gradFill rotWithShape="1">
+                  <a:gsLst>
+                    <a:gs pos="0">
+                      <a:srgbClr val="000000">
+                        <a:tint val="92000"/>
+                        <a:shade val="100000"/>
+                        <a:satMod val="150000"/>
+                      </a:srgbClr>
+                    </a:gs>
+                    <a:gs pos="49000">
+                      <a:srgbClr val="000000">
+                        <a:tint val="89000"/>
+                        <a:shade val="90000"/>
+                        <a:satMod val="150000"/>
+                      </a:srgbClr>
+                    </a:gs>
+                    <a:gs pos="50000">
+                      <a:srgbClr val="000000">
+                        <a:tint val="100000"/>
+                        <a:shade val="75000"/>
+                        <a:satMod val="150000"/>
+                      </a:srgbClr>
+                    </a:gs>
+                    <a:gs pos="95000">
+                      <a:srgbClr val="000000">
+                        <a:shade val="47000"/>
+                        <a:satMod val="150000"/>
+                      </a:srgbClr>
+                    </a:gs>
+                    <a:gs pos="100000">
+                      <a:srgbClr val="000000">
+                        <a:shade val="39000"/>
+                        <a:satMod val="150000"/>
+                      </a:srgbClr>
+                    </a:gs>
+                  </a:gsLst>
+                  <a:lin ang="5400000"/>
+                </a:gradFill>
+                <a:effectLst>
+                  <a:outerShdw blurRad="50800" algn="tl" rotWithShape="0">
+                    <a:srgbClr val="000000"/>
+                  </a:outerShdw>
+                </a:effectLst>
+                <a:latin typeface="Dimitri" pitchFamily="2" charset="0"/>
+              </a:rPr>
+              <a:t>PROCESSO</a:t>
+            </a:r>
+            <a:endParaRPr lang="pt-BR" sz="5400" b="1" cap="none" spc="0" dirty="0">
+              <a:ln w="17780" cmpd="sng">
+                <a:solidFill>
+                  <a:srgbClr val="FFFFFF"/>
+                </a:solidFill>
+                <a:prstDash val="solid"/>
+                <a:miter lim="800000"/>
+              </a:ln>
+              <a:gradFill rotWithShape="1">
+                <a:gsLst>
+                  <a:gs pos="0">
+                    <a:srgbClr val="000000">
+                      <a:tint val="92000"/>
+                      <a:shade val="100000"/>
+                      <a:satMod val="150000"/>
+                    </a:srgbClr>
+                  </a:gs>
+                  <a:gs pos="49000">
+                    <a:srgbClr val="000000">
+                      <a:tint val="89000"/>
+                      <a:shade val="90000"/>
+                      <a:satMod val="150000"/>
+                    </a:srgbClr>
+                  </a:gs>
+                  <a:gs pos="50000">
+                    <a:srgbClr val="000000">
+                      <a:tint val="100000"/>
+                      <a:shade val="75000"/>
+                      <a:satMod val="150000"/>
+                    </a:srgbClr>
+                  </a:gs>
+                  <a:gs pos="95000">
+                    <a:srgbClr val="000000">
+                      <a:shade val="47000"/>
+                      <a:satMod val="150000"/>
+                    </a:srgbClr>
+                  </a:gs>
+                  <a:gs pos="100000">
+                    <a:srgbClr val="000000">
+                      <a:shade val="39000"/>
+                      <a:satMod val="150000"/>
+                    </a:srgbClr>
+                  </a:gs>
+                </a:gsLst>
+                <a:lin ang="5400000"/>
+              </a:gradFill>
+              <a:effectLst>
+                <a:outerShdw blurRad="50800" algn="tl" rotWithShape="0">
+                  <a:srgbClr val="000000"/>
+                </a:outerShdw>
+              </a:effectLst>
+              <a:latin typeface="Dimitri" pitchFamily="2" charset="0"/>
+            </a:endParaRPr>
+          </a:p>
+        </p:txBody>
+      </p:sp>
+      <p:pic>
+        <p:nvPicPr>
+          <p:cNvPr id="5124" name="Picture 4" descr="https://linux.ime.usp.br/~cef/mac499-06/monografias/rec/igor/pageParte1_clip_image002.jpg"/>
+          <p:cNvPicPr>
+            <a:picLocks noChangeAspect="1" noChangeArrowheads="1"/>
+          </p:cNvPicPr>
+          <p:nvPr/>
+        </p:nvPicPr>
+        <p:blipFill>
+          <a:blip r:embed="rId5" cstate="print"/>
+          <a:srcRect/>
+          <a:stretch>
+            <a:fillRect/>
+          </a:stretch>
+        </p:blipFill>
+        <p:spPr bwMode="auto">
+          <a:xfrm>
+            <a:off x="1259632" y="1196751"/>
+            <a:ext cx="6840760" cy="4894583"/>
+          </a:xfrm>
+          <a:prstGeom prst="rect">
+            <a:avLst/>
+          </a:prstGeom>
+          <a:noFill/>
+        </p:spPr>
+      </p:pic>
+    </p:spTree>
+  </p:cSld>
+  <p:clrMapOvr>
+    <a:masterClrMapping/>
+  </p:clrMapOvr>
+  <p:timing>
+    <p:tnLst>
+      <p:par>
+        <p:cTn id="1" dur="indefinite" restart="never" nodeType="tmRoot"/>
+      </p:par>
+    </p:tnLst>
+  </p:timing>
+</p:sld>
+</file>
+
+<file path=ppt/slides/slide11.xml><?xml version="1.0" encoding="utf-8"?>
+<p:sld xmlns:a="http://schemas.openxmlformats.org/drawingml/2006/main" xmlns:r="http://schemas.openxmlformats.org/officeDocument/2006/relationships" xmlns:p="http://schemas.openxmlformats.org/presentationml/2006/main">
+  <p:cSld>
+    <p:spTree>
+      <p:nvGrpSpPr>
+        <p:cNvPr id="1" name=""/>
+        <p:cNvGrpSpPr/>
+        <p:nvPr/>
+      </p:nvGrpSpPr>
+      <p:grpSpPr>
+        <a:xfrm>
+          <a:off x="0" y="0"/>
+          <a:ext cx="0" cy="0"/>
+          <a:chOff x="0" y="0"/>
+          <a:chExt cx="0" cy="0"/>
+        </a:xfrm>
+      </p:grpSpPr>
+      <p:pic>
+        <p:nvPicPr>
+          <p:cNvPr id="11" name="Imagem 10" descr="Grama.jpg"/>
+          <p:cNvPicPr>
+            <a:picLocks noChangeAspect="1"/>
+          </p:cNvPicPr>
+          <p:nvPr/>
+        </p:nvPicPr>
+        <p:blipFill>
+          <a:blip r:embed="rId3" cstate="print"/>
+          <a:srcRect l="8333" r="8333"/>
+          <a:stretch>
+            <a:fillRect/>
+          </a:stretch>
+        </p:blipFill>
+        <p:spPr>
+          <a:xfrm>
+            <a:off x="0" y="0"/>
+            <a:ext cx="9144000" cy="6858000"/>
+          </a:xfrm>
+          <a:prstGeom prst="rect">
+            <a:avLst/>
+          </a:prstGeom>
+        </p:spPr>
+      </p:pic>
+      <p:pic>
+        <p:nvPicPr>
+          <p:cNvPr id="7" name="Imagem 6" descr="logo.png"/>
+          <p:cNvPicPr>
+            <a:picLocks noChangeAspect="1"/>
+          </p:cNvPicPr>
+          <p:nvPr/>
+        </p:nvPicPr>
+        <p:blipFill>
+          <a:blip r:embed="rId4" cstate="print"/>
+          <a:srcRect l="12574" t="13708" r="12574" b="29586"/>
+          <a:stretch>
+            <a:fillRect/>
+          </a:stretch>
+        </p:blipFill>
+        <p:spPr>
+          <a:xfrm>
+            <a:off x="7596336" y="188640"/>
+            <a:ext cx="1368152" cy="1036479"/>
+          </a:xfrm>
+          <a:prstGeom prst="rect">
+            <a:avLst/>
+          </a:prstGeom>
+        </p:spPr>
+      </p:pic>
+      <p:sp>
+        <p:nvSpPr>
+          <p:cNvPr id="12" name="Retângulo 11"/>
+          <p:cNvSpPr/>
+          <p:nvPr/>
+        </p:nvSpPr>
+        <p:spPr>
+          <a:xfrm>
+            <a:off x="251520" y="188640"/>
+            <a:ext cx="7920880" cy="923330"/>
+          </a:xfrm>
+          <a:prstGeom prst="rect">
+            <a:avLst/>
+          </a:prstGeom>
+          <a:noFill/>
+        </p:spPr>
+        <p:txBody>
+          <a:bodyPr wrap="square" lIns="91440" tIns="45720" rIns="91440" bIns="45720">
+            <a:spAutoFit/>
+          </a:bodyPr>
+          <a:lstStyle/>
+          <a:p>
+            <a:r>
+              <a:rPr lang="pt-BR" sz="5400" b="1" dirty="0" smtClean="0">
+                <a:ln w="17780" cmpd="sng">
+                  <a:solidFill>
+                    <a:srgbClr val="FFFFFF"/>
+                  </a:solidFill>
+                  <a:prstDash val="solid"/>
+                  <a:miter lim="800000"/>
+                </a:ln>
+                <a:gradFill rotWithShape="1">
+                  <a:gsLst>
+                    <a:gs pos="0">
+                      <a:srgbClr val="000000">
+                        <a:tint val="92000"/>
+                        <a:shade val="100000"/>
+                        <a:satMod val="150000"/>
+                      </a:srgbClr>
+                    </a:gs>
+                    <a:gs pos="49000">
+                      <a:srgbClr val="000000">
+                        <a:tint val="89000"/>
+                        <a:shade val="90000"/>
+                        <a:satMod val="150000"/>
+                      </a:srgbClr>
+                    </a:gs>
+                    <a:gs pos="50000">
+                      <a:srgbClr val="000000">
+                        <a:tint val="100000"/>
+                        <a:shade val="75000"/>
+                        <a:satMod val="150000"/>
+                      </a:srgbClr>
+                    </a:gs>
+                    <a:gs pos="95000">
+                      <a:srgbClr val="000000">
+                        <a:shade val="47000"/>
+                        <a:satMod val="150000"/>
+                      </a:srgbClr>
+                    </a:gs>
+                    <a:gs pos="100000">
+                      <a:srgbClr val="000000">
+                        <a:shade val="39000"/>
+                        <a:satMod val="150000"/>
+                      </a:srgbClr>
+                    </a:gs>
+                  </a:gsLst>
+                  <a:lin ang="5400000"/>
+                </a:gradFill>
+                <a:effectLst>
+                  <a:outerShdw blurRad="50800" algn="tl" rotWithShape="0">
+                    <a:srgbClr val="000000"/>
+                  </a:outerShdw>
+                </a:effectLst>
+                <a:latin typeface="Dimitri" pitchFamily="2" charset="0"/>
+              </a:rPr>
+              <a:t>PROCESSO</a:t>
+            </a:r>
+            <a:endParaRPr lang="pt-BR" sz="5400" b="1" cap="none" spc="0" dirty="0">
+              <a:ln w="17780" cmpd="sng">
+                <a:solidFill>
+                  <a:srgbClr val="FFFFFF"/>
+                </a:solidFill>
+                <a:prstDash val="solid"/>
+                <a:miter lim="800000"/>
+              </a:ln>
+              <a:gradFill rotWithShape="1">
+                <a:gsLst>
+                  <a:gs pos="0">
+                    <a:srgbClr val="000000">
+                      <a:tint val="92000"/>
+                      <a:shade val="100000"/>
+                      <a:satMod val="150000"/>
+                    </a:srgbClr>
+                  </a:gs>
+                  <a:gs pos="49000">
+                    <a:srgbClr val="000000">
+                      <a:tint val="89000"/>
+                      <a:shade val="90000"/>
+                      <a:satMod val="150000"/>
+                    </a:srgbClr>
+                  </a:gs>
+                  <a:gs pos="50000">
+                    <a:srgbClr val="000000">
+                      <a:tint val="100000"/>
+                      <a:shade val="75000"/>
+                      <a:satMod val="150000"/>
+                    </a:srgbClr>
+                  </a:gs>
+                  <a:gs pos="95000">
+                    <a:srgbClr val="000000">
+                      <a:shade val="47000"/>
+                      <a:satMod val="150000"/>
+                    </a:srgbClr>
+                  </a:gs>
+                  <a:gs pos="100000">
+                    <a:srgbClr val="000000">
+                      <a:shade val="39000"/>
+                      <a:satMod val="150000"/>
+                    </a:srgbClr>
+                  </a:gs>
+                </a:gsLst>
+                <a:lin ang="5400000"/>
+              </a:gradFill>
+              <a:effectLst>
+                <a:outerShdw blurRad="50800" algn="tl" rotWithShape="0">
+                  <a:srgbClr val="000000"/>
+                </a:outerShdw>
+              </a:effectLst>
+              <a:latin typeface="Dimitri" pitchFamily="2" charset="0"/>
+            </a:endParaRPr>
+          </a:p>
+        </p:txBody>
+      </p:sp>
+      <p:pic>
+        <p:nvPicPr>
+          <p:cNvPr id="6" name="Imagem 5" descr="Class_Diagram.png"/>
+          <p:cNvPicPr>
+            <a:picLocks noChangeAspect="1"/>
+          </p:cNvPicPr>
+          <p:nvPr/>
+        </p:nvPicPr>
+        <p:blipFill>
+          <a:blip r:embed="rId5" cstate="print"/>
+          <a:stretch>
+            <a:fillRect/>
+          </a:stretch>
+        </p:blipFill>
+        <p:spPr>
+          <a:xfrm>
+            <a:off x="467544" y="1844824"/>
+            <a:ext cx="7926616" cy="3856831"/>
+          </a:xfrm>
+          <a:prstGeom prst="rect">
+            <a:avLst/>
+          </a:prstGeom>
+        </p:spPr>
+      </p:pic>
+    </p:spTree>
+  </p:cSld>
+  <p:clrMapOvr>
+    <a:masterClrMapping/>
+  </p:clrMapOvr>
+  <p:timing>
+    <p:tnLst>
+      <p:par>
+        <p:cTn id="1" dur="indefinite" restart="never" nodeType="tmRoot"/>
+      </p:par>
+    </p:tnLst>
+  </p:timing>
+</p:sld>
+</file>
+
+<file path=ppt/slides/slide12.xml><?xml version="1.0" encoding="utf-8"?>
+<p:sld xmlns:a="http://schemas.openxmlformats.org/drawingml/2006/main" xmlns:r="http://schemas.openxmlformats.org/officeDocument/2006/relationships" xmlns:p="http://schemas.openxmlformats.org/presentationml/2006/main">
+  <p:cSld>
+    <p:spTree>
+      <p:nvGrpSpPr>
+        <p:cNvPr id="1" name=""/>
+        <p:cNvGrpSpPr/>
+        <p:nvPr/>
+      </p:nvGrpSpPr>
+      <p:grpSpPr>
+        <a:xfrm>
+          <a:off x="0" y="0"/>
+          <a:ext cx="0" cy="0"/>
+          <a:chOff x="0" y="0"/>
+          <a:chExt cx="0" cy="0"/>
+        </a:xfrm>
+      </p:grpSpPr>
+      <p:pic>
+        <p:nvPicPr>
+          <p:cNvPr id="11" name="Imagem 10" descr="Grama.jpg"/>
+          <p:cNvPicPr>
+            <a:picLocks noChangeAspect="1"/>
+          </p:cNvPicPr>
+          <p:nvPr/>
+        </p:nvPicPr>
+        <p:blipFill>
+          <a:blip r:embed="rId3" cstate="print"/>
+          <a:srcRect l="8333" r="8333"/>
+          <a:stretch>
+            <a:fillRect/>
+          </a:stretch>
+        </p:blipFill>
+        <p:spPr>
+          <a:xfrm>
+            <a:off x="0" y="0"/>
+            <a:ext cx="9144000" cy="6858000"/>
+          </a:xfrm>
+          <a:prstGeom prst="rect">
+            <a:avLst/>
+          </a:prstGeom>
+        </p:spPr>
+      </p:pic>
+      <p:pic>
+        <p:nvPicPr>
+          <p:cNvPr id="7" name="Imagem 6" descr="logo.png"/>
+          <p:cNvPicPr>
+            <a:picLocks noChangeAspect="1"/>
+          </p:cNvPicPr>
+          <p:nvPr/>
+        </p:nvPicPr>
+        <p:blipFill>
+          <a:blip r:embed="rId4" cstate="print"/>
+          <a:srcRect l="12574" t="13708" r="12574" b="29586"/>
+          <a:stretch>
+            <a:fillRect/>
+          </a:stretch>
+        </p:blipFill>
+        <p:spPr>
+          <a:xfrm>
+            <a:off x="7596336" y="188640"/>
+            <a:ext cx="1368152" cy="1036479"/>
+          </a:xfrm>
+          <a:prstGeom prst="rect">
+            <a:avLst/>
+          </a:prstGeom>
+        </p:spPr>
+      </p:pic>
+      <p:sp>
+        <p:nvSpPr>
+          <p:cNvPr id="12" name="Retângulo 11"/>
+          <p:cNvSpPr/>
+          <p:nvPr/>
+        </p:nvSpPr>
+        <p:spPr>
+          <a:xfrm>
+            <a:off x="251520" y="188640"/>
+            <a:ext cx="7920880" cy="923330"/>
+          </a:xfrm>
+          <a:prstGeom prst="rect">
+            <a:avLst/>
+          </a:prstGeom>
+          <a:noFill/>
+        </p:spPr>
+        <p:txBody>
+          <a:bodyPr wrap="square" lIns="91440" tIns="45720" rIns="91440" bIns="45720">
+            <a:spAutoFit/>
+          </a:bodyPr>
+          <a:lstStyle/>
+          <a:p>
+            <a:r>
+              <a:rPr lang="pt-BR" sz="5400" b="1" dirty="0" smtClean="0">
+                <a:ln w="17780" cmpd="sng">
+                  <a:solidFill>
+                    <a:srgbClr val="FFFFFF"/>
+                  </a:solidFill>
+                  <a:prstDash val="solid"/>
+                  <a:miter lim="800000"/>
+                </a:ln>
+                <a:gradFill rotWithShape="1">
+                  <a:gsLst>
+                    <a:gs pos="0">
+                      <a:srgbClr val="000000">
+                        <a:tint val="92000"/>
+                        <a:shade val="100000"/>
+                        <a:satMod val="150000"/>
+                      </a:srgbClr>
+                    </a:gs>
+                    <a:gs pos="49000">
+                      <a:srgbClr val="000000">
+                        <a:tint val="89000"/>
+                        <a:shade val="90000"/>
+                        <a:satMod val="150000"/>
+                      </a:srgbClr>
+                    </a:gs>
+                    <a:gs pos="50000">
+                      <a:srgbClr val="000000">
+                        <a:tint val="100000"/>
+                        <a:shade val="75000"/>
+                        <a:satMod val="150000"/>
+                      </a:srgbClr>
+                    </a:gs>
+                    <a:gs pos="95000">
+                      <a:srgbClr val="000000">
+                        <a:shade val="47000"/>
+                        <a:satMod val="150000"/>
+                      </a:srgbClr>
+                    </a:gs>
+                    <a:gs pos="100000">
+                      <a:srgbClr val="000000">
+                        <a:shade val="39000"/>
+                        <a:satMod val="150000"/>
+                      </a:srgbClr>
+                    </a:gs>
+                  </a:gsLst>
+                  <a:lin ang="5400000"/>
+                </a:gradFill>
+                <a:effectLst>
+                  <a:outerShdw blurRad="50800" algn="tl" rotWithShape="0">
+                    <a:srgbClr val="000000"/>
+                  </a:outerShdw>
+                </a:effectLst>
+                <a:latin typeface="Dimitri" pitchFamily="2" charset="0"/>
+              </a:rPr>
+              <a:t>PROCESSO</a:t>
+            </a:r>
+            <a:endParaRPr lang="pt-BR" sz="5400" b="1" cap="none" spc="0" dirty="0">
+              <a:ln w="17780" cmpd="sng">
+                <a:solidFill>
+                  <a:srgbClr val="FFFFFF"/>
+                </a:solidFill>
+                <a:prstDash val="solid"/>
+                <a:miter lim="800000"/>
+              </a:ln>
+              <a:gradFill rotWithShape="1">
+                <a:gsLst>
+                  <a:gs pos="0">
+                    <a:srgbClr val="000000">
+                      <a:tint val="92000"/>
+                      <a:shade val="100000"/>
+                      <a:satMod val="150000"/>
+                    </a:srgbClr>
+                  </a:gs>
+                  <a:gs pos="49000">
+                    <a:srgbClr val="000000">
+                      <a:tint val="89000"/>
+                      <a:shade val="90000"/>
+                      <a:satMod val="150000"/>
+                    </a:srgbClr>
+                  </a:gs>
+                  <a:gs pos="50000">
+                    <a:srgbClr val="000000">
+                      <a:tint val="100000"/>
+                      <a:shade val="75000"/>
+                      <a:satMod val="150000"/>
+                    </a:srgbClr>
+                  </a:gs>
+                  <a:gs pos="95000">
+                    <a:srgbClr val="000000">
+                      <a:shade val="47000"/>
+                      <a:satMod val="150000"/>
+                    </a:srgbClr>
+                  </a:gs>
+                  <a:gs pos="100000">
+                    <a:srgbClr val="000000">
+                      <a:shade val="39000"/>
+                      <a:satMod val="150000"/>
+                    </a:srgbClr>
+                  </a:gs>
+                </a:gsLst>
+                <a:lin ang="5400000"/>
+              </a:gradFill>
+              <a:effectLst>
+                <a:outerShdw blurRad="50800" algn="tl" rotWithShape="0">
+                  <a:srgbClr val="000000"/>
+                </a:outerShdw>
+              </a:effectLst>
+              <a:latin typeface="Dimitri" pitchFamily="2" charset="0"/>
+            </a:endParaRPr>
+          </a:p>
+        </p:txBody>
+      </p:sp>
+      <p:pic>
+        <p:nvPicPr>
+          <p:cNvPr id="8" name="Imagem 7" descr="Class_Diagram2.png"/>
+          <p:cNvPicPr>
+            <a:picLocks noChangeAspect="1"/>
+          </p:cNvPicPr>
+          <p:nvPr/>
+        </p:nvPicPr>
+        <p:blipFill>
+          <a:blip r:embed="rId5" cstate="print"/>
+          <a:stretch>
+            <a:fillRect/>
+          </a:stretch>
+        </p:blipFill>
+        <p:spPr>
+          <a:xfrm>
+            <a:off x="467544" y="1340768"/>
+            <a:ext cx="8143875" cy="5048250"/>
+          </a:xfrm>
+          <a:prstGeom prst="rect">
+            <a:avLst/>
+          </a:prstGeom>
+        </p:spPr>
+      </p:pic>
+    </p:spTree>
+  </p:cSld>
+  <p:clrMapOvr>
+    <a:masterClrMapping/>
+  </p:clrMapOvr>
+  <p:timing>
+    <p:tnLst>
+      <p:par>
+        <p:cTn id="1" dur="indefinite" restart="never" nodeType="tmRoot"/>
+      </p:par>
+    </p:tnLst>
+  </p:timing>
+</p:sld>
+</file>
+
+<file path=ppt/slides/slide13.xml><?xml version="1.0" encoding="utf-8"?>
+<p:sld xmlns:a="http://schemas.openxmlformats.org/drawingml/2006/main" xmlns:r="http://schemas.openxmlformats.org/officeDocument/2006/relationships" xmlns:p="http://schemas.openxmlformats.org/presentationml/2006/main">
+  <p:cSld>
+    <p:spTree>
+      <p:nvGrpSpPr>
+        <p:cNvPr id="1" name=""/>
+        <p:cNvGrpSpPr/>
+        <p:nvPr/>
+      </p:nvGrpSpPr>
+      <p:grpSpPr>
+        <a:xfrm>
+          <a:off x="0" y="0"/>
+          <a:ext cx="0" cy="0"/>
+          <a:chOff x="0" y="0"/>
+          <a:chExt cx="0" cy="0"/>
+        </a:xfrm>
+      </p:grpSpPr>
+      <p:pic>
+        <p:nvPicPr>
+          <p:cNvPr id="11" name="Imagem 10" descr="Grama.jpg"/>
+          <p:cNvPicPr>
+            <a:picLocks noChangeAspect="1"/>
+          </p:cNvPicPr>
+          <p:nvPr/>
+        </p:nvPicPr>
+        <p:blipFill>
+          <a:blip r:embed="rId3" cstate="print"/>
+          <a:srcRect l="8333" r="8333"/>
+          <a:stretch>
+            <a:fillRect/>
+          </a:stretch>
+        </p:blipFill>
+        <p:spPr>
+          <a:xfrm>
+            <a:off x="0" y="0"/>
+            <a:ext cx="9144000" cy="6858000"/>
+          </a:xfrm>
+          <a:prstGeom prst="rect">
+            <a:avLst/>
+          </a:prstGeom>
+        </p:spPr>
+      </p:pic>
+      <p:pic>
+        <p:nvPicPr>
+          <p:cNvPr id="7" name="Imagem 6" descr="logo.png"/>
+          <p:cNvPicPr>
+            <a:picLocks noChangeAspect="1"/>
+          </p:cNvPicPr>
+          <p:nvPr/>
+        </p:nvPicPr>
+        <p:blipFill>
+          <a:blip r:embed="rId4" cstate="print"/>
+          <a:srcRect l="12574" t="13708" r="12574" b="29586"/>
+          <a:stretch>
+            <a:fillRect/>
+          </a:stretch>
+        </p:blipFill>
+        <p:spPr>
+          <a:xfrm>
+            <a:off x="7596336" y="188640"/>
+            <a:ext cx="1368152" cy="1036479"/>
+          </a:xfrm>
+          <a:prstGeom prst="rect">
+            <a:avLst/>
+          </a:prstGeom>
+        </p:spPr>
+      </p:pic>
+      <p:sp>
+        <p:nvSpPr>
+          <p:cNvPr id="12" name="Retângulo 11"/>
+          <p:cNvSpPr/>
+          <p:nvPr/>
+        </p:nvSpPr>
+        <p:spPr>
+          <a:xfrm>
+            <a:off x="251520" y="188640"/>
+            <a:ext cx="7920880" cy="923330"/>
+          </a:xfrm>
+          <a:prstGeom prst="rect">
+            <a:avLst/>
+          </a:prstGeom>
+          <a:noFill/>
+        </p:spPr>
+        <p:txBody>
+          <a:bodyPr wrap="square" lIns="91440" tIns="45720" rIns="91440" bIns="45720">
+            <a:spAutoFit/>
+          </a:bodyPr>
+          <a:lstStyle/>
+          <a:p>
+            <a:r>
+              <a:rPr lang="pt-BR" sz="5400" b="1" dirty="0" smtClean="0">
+                <a:ln w="17780" cmpd="sng">
+                  <a:solidFill>
+                    <a:srgbClr val="FFFFFF"/>
+                  </a:solidFill>
+                  <a:prstDash val="solid"/>
+                  <a:miter lim="800000"/>
+                </a:ln>
+                <a:gradFill rotWithShape="1">
+                  <a:gsLst>
+                    <a:gs pos="0">
+                      <a:srgbClr val="000000">
+                        <a:tint val="92000"/>
+                        <a:shade val="100000"/>
+                        <a:satMod val="150000"/>
+                      </a:srgbClr>
+                    </a:gs>
+                    <a:gs pos="49000">
+                      <a:srgbClr val="000000">
+                        <a:tint val="89000"/>
+                        <a:shade val="90000"/>
+                        <a:satMod val="150000"/>
+                      </a:srgbClr>
+                    </a:gs>
+                    <a:gs pos="50000">
+                      <a:srgbClr val="000000">
+                        <a:tint val="100000"/>
+                        <a:shade val="75000"/>
+                        <a:satMod val="150000"/>
+                      </a:srgbClr>
+                    </a:gs>
+                    <a:gs pos="95000">
+                      <a:srgbClr val="000000">
+                        <a:shade val="47000"/>
+                        <a:satMod val="150000"/>
+                      </a:srgbClr>
+                    </a:gs>
+                    <a:gs pos="100000">
+                      <a:srgbClr val="000000">
+                        <a:shade val="39000"/>
+                        <a:satMod val="150000"/>
+                      </a:srgbClr>
+                    </a:gs>
+                  </a:gsLst>
+                  <a:lin ang="5400000"/>
+                </a:gradFill>
+                <a:effectLst>
+                  <a:outerShdw blurRad="50800" algn="tl" rotWithShape="0">
+                    <a:srgbClr val="000000"/>
+                  </a:outerShdw>
+                </a:effectLst>
+                <a:latin typeface="Dimitri" pitchFamily="2" charset="0"/>
+              </a:rPr>
+              <a:t>PROCESSO</a:t>
+            </a:r>
+            <a:endParaRPr lang="pt-BR" sz="5400" b="1" cap="none" spc="0" dirty="0">
+              <a:ln w="17780" cmpd="sng">
+                <a:solidFill>
+                  <a:srgbClr val="FFFFFF"/>
+                </a:solidFill>
+                <a:prstDash val="solid"/>
+                <a:miter lim="800000"/>
+              </a:ln>
+              <a:gradFill rotWithShape="1">
+                <a:gsLst>
+                  <a:gs pos="0">
+                    <a:srgbClr val="000000">
+                      <a:tint val="92000"/>
+                      <a:shade val="100000"/>
+                      <a:satMod val="150000"/>
+                    </a:srgbClr>
+                  </a:gs>
+                  <a:gs pos="49000">
+                    <a:srgbClr val="000000">
+                      <a:tint val="89000"/>
+                      <a:shade val="90000"/>
+                      <a:satMod val="150000"/>
+                    </a:srgbClr>
+                  </a:gs>
+                  <a:gs pos="50000">
+                    <a:srgbClr val="000000">
+                      <a:tint val="100000"/>
+                      <a:shade val="75000"/>
+                      <a:satMod val="150000"/>
+                    </a:srgbClr>
+                  </a:gs>
+                  <a:gs pos="95000">
+                    <a:srgbClr val="000000">
+                      <a:shade val="47000"/>
+                      <a:satMod val="150000"/>
+                    </a:srgbClr>
+                  </a:gs>
+                  <a:gs pos="100000">
+                    <a:srgbClr val="000000">
+                      <a:shade val="39000"/>
+                      <a:satMod val="150000"/>
+                    </a:srgbClr>
+                  </a:gs>
+                </a:gsLst>
+                <a:lin ang="5400000"/>
+              </a:gradFill>
+              <a:effectLst>
+                <a:outerShdw blurRad="50800" algn="tl" rotWithShape="0">
+                  <a:srgbClr val="000000"/>
+                </a:outerShdw>
+              </a:effectLst>
+              <a:latin typeface="Dimitri" pitchFamily="2" charset="0"/>
+            </a:endParaRPr>
+          </a:p>
+        </p:txBody>
+      </p:sp>
+      <p:pic>
+        <p:nvPicPr>
+          <p:cNvPr id="8" name="Imagem 7" descr="Class_Diagram3.png"/>
+          <p:cNvPicPr>
+            <a:picLocks noChangeAspect="1"/>
+          </p:cNvPicPr>
+          <p:nvPr/>
+        </p:nvPicPr>
+        <p:blipFill>
+          <a:blip r:embed="rId5" cstate="print"/>
+          <a:stretch>
+            <a:fillRect/>
+          </a:stretch>
+        </p:blipFill>
+        <p:spPr>
+          <a:xfrm>
+            <a:off x="323528" y="1412776"/>
+            <a:ext cx="8486775" cy="4714875"/>
+          </a:xfrm>
+          <a:prstGeom prst="rect">
+            <a:avLst/>
+          </a:prstGeom>
+        </p:spPr>
+      </p:pic>
+    </p:spTree>
+  </p:cSld>
+  <p:clrMapOvr>
+    <a:masterClrMapping/>
+  </p:clrMapOvr>
+  <p:timing>
+    <p:tnLst>
+      <p:par>
+        <p:cTn id="1" dur="indefinite" restart="never" nodeType="tmRoot"/>
+      </p:par>
+    </p:tnLst>
+  </p:timing>
+</p:sld>
+</file>
+
+<file path=ppt/slides/slide14.xml><?xml version="1.0" encoding="utf-8"?>
+<p:sld xmlns:a="http://schemas.openxmlformats.org/drawingml/2006/main" xmlns:r="http://schemas.openxmlformats.org/officeDocument/2006/relationships" xmlns:p="http://schemas.openxmlformats.org/presentationml/2006/main">
+  <p:cSld>
+    <p:spTree>
+      <p:nvGrpSpPr>
+        <p:cNvPr id="1" name=""/>
+        <p:cNvGrpSpPr/>
+        <p:nvPr/>
+      </p:nvGrpSpPr>
+      <p:grpSpPr>
+        <a:xfrm>
+          <a:off x="0" y="0"/>
+          <a:ext cx="0" cy="0"/>
+          <a:chOff x="0" y="0"/>
+          <a:chExt cx="0" cy="0"/>
+        </a:xfrm>
+      </p:grpSpPr>
+      <p:pic>
+        <p:nvPicPr>
+          <p:cNvPr id="11" name="Imagem 10" descr="Grama.jpg"/>
+          <p:cNvPicPr>
+            <a:picLocks noChangeAspect="1"/>
+          </p:cNvPicPr>
+          <p:nvPr/>
+        </p:nvPicPr>
+        <p:blipFill>
+          <a:blip r:embed="rId3" cstate="print"/>
+          <a:srcRect l="8333" r="8333"/>
+          <a:stretch>
+            <a:fillRect/>
+          </a:stretch>
+        </p:blipFill>
+        <p:spPr>
+          <a:xfrm>
+            <a:off x="0" y="0"/>
+            <a:ext cx="9144000" cy="6858000"/>
+          </a:xfrm>
+          <a:prstGeom prst="rect">
+            <a:avLst/>
+          </a:prstGeom>
+        </p:spPr>
+      </p:pic>
+      <p:pic>
+        <p:nvPicPr>
+          <p:cNvPr id="7" name="Imagem 6" descr="logo.png"/>
+          <p:cNvPicPr>
+            <a:picLocks noChangeAspect="1"/>
+          </p:cNvPicPr>
+          <p:nvPr/>
+        </p:nvPicPr>
+        <p:blipFill>
+          <a:blip r:embed="rId4" cstate="print"/>
+          <a:srcRect l="12574" t="13708" r="12574" b="29586"/>
+          <a:stretch>
+            <a:fillRect/>
+          </a:stretch>
+        </p:blipFill>
+        <p:spPr>
+          <a:xfrm>
+            <a:off x="7596336" y="188640"/>
+            <a:ext cx="1368152" cy="1036479"/>
+          </a:xfrm>
+          <a:prstGeom prst="rect">
+            <a:avLst/>
+          </a:prstGeom>
+        </p:spPr>
+      </p:pic>
+      <p:sp>
+        <p:nvSpPr>
+          <p:cNvPr id="12" name="Retângulo 11"/>
+          <p:cNvSpPr/>
+          <p:nvPr/>
+        </p:nvSpPr>
+        <p:spPr>
+          <a:xfrm>
+            <a:off x="251520" y="188640"/>
+            <a:ext cx="7920880" cy="923330"/>
+          </a:xfrm>
+          <a:prstGeom prst="rect">
+            <a:avLst/>
+          </a:prstGeom>
+          <a:noFill/>
+        </p:spPr>
+        <p:txBody>
+          <a:bodyPr wrap="square" lIns="91440" tIns="45720" rIns="91440" bIns="45720">
+            <a:spAutoFit/>
+          </a:bodyPr>
+          <a:lstStyle/>
+          <a:p>
+            <a:r>
+              <a:rPr lang="pt-BR" sz="5400" b="1" dirty="0" smtClean="0">
+                <a:ln w="17780" cmpd="sng">
+                  <a:solidFill>
+                    <a:srgbClr val="FFFFFF"/>
+                  </a:solidFill>
+                  <a:prstDash val="solid"/>
+                  <a:miter lim="800000"/>
+                </a:ln>
+                <a:gradFill rotWithShape="1">
+                  <a:gsLst>
+                    <a:gs pos="0">
+                      <a:srgbClr val="000000">
+                        <a:tint val="92000"/>
+                        <a:shade val="100000"/>
+                        <a:satMod val="150000"/>
+                      </a:srgbClr>
+                    </a:gs>
+                    <a:gs pos="49000">
+                      <a:srgbClr val="000000">
+                        <a:tint val="89000"/>
+                        <a:shade val="90000"/>
+                        <a:satMod val="150000"/>
+                      </a:srgbClr>
+                    </a:gs>
+                    <a:gs pos="50000">
+                      <a:srgbClr val="000000">
+                        <a:tint val="100000"/>
+                        <a:shade val="75000"/>
+                        <a:satMod val="150000"/>
+                      </a:srgbClr>
+                    </a:gs>
+                    <a:gs pos="95000">
+                      <a:srgbClr val="000000">
+                        <a:shade val="47000"/>
+                        <a:satMod val="150000"/>
+                      </a:srgbClr>
+                    </a:gs>
+                    <a:gs pos="100000">
+                      <a:srgbClr val="000000">
+                        <a:shade val="39000"/>
+                        <a:satMod val="150000"/>
+                      </a:srgbClr>
+                    </a:gs>
+                  </a:gsLst>
+                  <a:lin ang="5400000"/>
+                </a:gradFill>
+                <a:effectLst>
+                  <a:outerShdw blurRad="50800" algn="tl" rotWithShape="0">
+                    <a:srgbClr val="000000"/>
+                  </a:outerShdw>
+                </a:effectLst>
+                <a:latin typeface="Dimitri" pitchFamily="2" charset="0"/>
+              </a:rPr>
+              <a:t>PROCESSO</a:t>
+            </a:r>
+            <a:endParaRPr lang="pt-BR" sz="5400" b="1" cap="none" spc="0" dirty="0">
+              <a:ln w="17780" cmpd="sng">
+                <a:solidFill>
+                  <a:srgbClr val="FFFFFF"/>
+                </a:solidFill>
+                <a:prstDash val="solid"/>
+                <a:miter lim="800000"/>
+              </a:ln>
+              <a:gradFill rotWithShape="1">
+                <a:gsLst>
+                  <a:gs pos="0">
+                    <a:srgbClr val="000000">
+                      <a:tint val="92000"/>
+                      <a:shade val="100000"/>
+                      <a:satMod val="150000"/>
+                    </a:srgbClr>
+                  </a:gs>
+                  <a:gs pos="49000">
+                    <a:srgbClr val="000000">
+                      <a:tint val="89000"/>
+                      <a:shade val="90000"/>
+                      <a:satMod val="150000"/>
+                    </a:srgbClr>
+                  </a:gs>
+                  <a:gs pos="50000">
+                    <a:srgbClr val="000000">
+                      <a:tint val="100000"/>
+                      <a:shade val="75000"/>
+                      <a:satMod val="150000"/>
+                    </a:srgbClr>
+                  </a:gs>
+                  <a:gs pos="95000">
+                    <a:srgbClr val="000000">
+                      <a:shade val="47000"/>
+                      <a:satMod val="150000"/>
+                    </a:srgbClr>
+                  </a:gs>
+                  <a:gs pos="100000">
+                    <a:srgbClr val="000000">
+                      <a:shade val="39000"/>
+                      <a:satMod val="150000"/>
+                    </a:srgbClr>
+                  </a:gs>
+                </a:gsLst>
+                <a:lin ang="5400000"/>
+              </a:gradFill>
+              <a:effectLst>
+                <a:outerShdw blurRad="50800" algn="tl" rotWithShape="0">
+                  <a:srgbClr val="000000"/>
+                </a:outerShdw>
+              </a:effectLst>
+              <a:latin typeface="Dimitri" pitchFamily="2" charset="0"/>
+            </a:endParaRPr>
+          </a:p>
+        </p:txBody>
+      </p:sp>
+      <p:pic>
+        <p:nvPicPr>
+          <p:cNvPr id="35842" name="Picture 2"/>
+          <p:cNvPicPr>
+            <a:picLocks noChangeAspect="1" noChangeArrowheads="1"/>
+          </p:cNvPicPr>
+          <p:nvPr/>
+        </p:nvPicPr>
+        <p:blipFill>
+          <a:blip r:embed="rId5" cstate="print"/>
+          <a:srcRect/>
+          <a:stretch>
+            <a:fillRect/>
+          </a:stretch>
+        </p:blipFill>
+        <p:spPr bwMode="auto">
+          <a:xfrm>
+            <a:off x="611560" y="1484784"/>
+            <a:ext cx="7817693" cy="4941840"/>
+          </a:xfrm>
+          <a:prstGeom prst="rect">
+            <a:avLst/>
+          </a:prstGeom>
+          <a:noFill/>
+          <a:ln w="9525">
+            <a:noFill/>
+            <a:miter lim="800000"/>
+            <a:headEnd/>
+            <a:tailEnd/>
+          </a:ln>
+        </p:spPr>
+      </p:pic>
+    </p:spTree>
+  </p:cSld>
+  <p:clrMapOvr>
+    <a:masterClrMapping/>
+  </p:clrMapOvr>
+  <p:timing>
+    <p:tnLst>
+      <p:par>
+        <p:cTn id="1" dur="indefinite" restart="never" nodeType="tmRoot"/>
+      </p:par>
+    </p:tnLst>
+  </p:timing>
+</p:sld>
+</file>
+
+<file path=ppt/slides/slide15.xml><?xml version="1.0" encoding="utf-8"?>
+<p:sld xmlns:a="http://schemas.openxmlformats.org/drawingml/2006/main" xmlns:r="http://schemas.openxmlformats.org/officeDocument/2006/relationships" xmlns:p="http://schemas.openxmlformats.org/presentationml/2006/main">
+  <p:cSld>
+    <p:spTree>
+      <p:nvGrpSpPr>
+        <p:cNvPr id="1" name=""/>
+        <p:cNvGrpSpPr/>
+        <p:nvPr/>
+      </p:nvGrpSpPr>
+      <p:grpSpPr>
+        <a:xfrm>
+          <a:off x="0" y="0"/>
+          <a:ext cx="0" cy="0"/>
+          <a:chOff x="0" y="0"/>
+          <a:chExt cx="0" cy="0"/>
+        </a:xfrm>
+      </p:grpSpPr>
+      <p:sp>
+        <p:nvSpPr>
+          <p:cNvPr id="2" name="Título 1"/>
+          <p:cNvSpPr>
+            <a:spLocks noGrp="1"/>
+          </p:cNvSpPr>
+          <p:nvPr>
+            <p:ph type="title"/>
+          </p:nvPr>
+        </p:nvSpPr>
+        <p:spPr/>
+        <p:txBody>
+          <a:bodyPr/>
+          <a:lstStyle/>
+          <a:p>
+            <a:endParaRPr lang="pt-BR"/>
+          </a:p>
+        </p:txBody>
+      </p:sp>
+      <p:sp>
+        <p:nvSpPr>
+          <p:cNvPr id="3" name="Espaço Reservado para Conteúdo 2"/>
+          <p:cNvSpPr>
+            <a:spLocks noGrp="1"/>
+          </p:cNvSpPr>
+          <p:nvPr>
+            <p:ph idx="1"/>
+          </p:nvPr>
+        </p:nvSpPr>
+        <p:spPr/>
+        <p:txBody>
+          <a:bodyPr/>
+          <a:lstStyle/>
+          <a:p>
+            <a:endParaRPr lang="pt-BR"/>
+          </a:p>
+        </p:txBody>
+      </p:sp>
+      <p:pic>
+        <p:nvPicPr>
+          <p:cNvPr id="5" name="Imagem 4" descr="image.jpg"/>
+          <p:cNvPicPr>
+            <a:picLocks noChangeAspect="1"/>
+          </p:cNvPicPr>
+          <p:nvPr/>
+        </p:nvPicPr>
+        <p:blipFill>
+          <a:blip r:embed="rId2" cstate="print"/>
+          <a:srcRect l="10340" r="14660"/>
+          <a:stretch>
+            <a:fillRect/>
+          </a:stretch>
+        </p:blipFill>
+        <p:spPr>
+          <a:xfrm>
+            <a:off x="0" y="1"/>
+            <a:ext cx="9144000" cy="6857999"/>
+          </a:xfrm>
+          <a:prstGeom prst="rect">
+            <a:avLst/>
+          </a:prstGeom>
+        </p:spPr>
+      </p:pic>
+    </p:spTree>
+  </p:cSld>
+  <p:clrMapOvr>
+    <a:masterClrMapping/>
+  </p:clrMapOvr>
+</p:sld>
+</file>
+
 <file path=ppt/slides/slide2.xml><?xml version="1.0" encoding="utf-8"?>
 <p:sld xmlns:a="http://schemas.openxmlformats.org/drawingml/2006/main" xmlns:r="http://schemas.openxmlformats.org/officeDocument/2006/relationships" xmlns:p="http://schemas.openxmlformats.org/presentationml/2006/main">
   <p:cSld>
@@ -4510,8 +6758,8 @@
         </p:nvSpPr>
         <p:spPr>
           <a:xfrm>
-            <a:off x="395536" y="1988840"/>
-            <a:ext cx="7992888" cy="1938992"/>
+            <a:off x="395536" y="1268760"/>
+            <a:ext cx="7992888" cy="1200329"/>
           </a:xfrm>
           <a:prstGeom prst="rect">
             <a:avLst/>
@@ -4544,35 +6792,15 @@
                   <a:schemeClr val="bg1"/>
                 </a:solidFill>
               </a:rPr>
-              <a:t>Venda de Pets.</a:t>
-            </a:r>
-          </a:p>
-          <a:p>
-            <a:pPr>
-              <a:buFont typeface="Wingdings" pitchFamily="2" charset="2"/>
-              <a:buChar char="Ø"/>
-            </a:pPr>
+              <a:t>Tratamento </a:t>
+            </a:r>
             <a:r>
               <a:rPr lang="pt-BR" sz="2400" b="1" dirty="0" smtClean="0">
                 <a:solidFill>
                   <a:schemeClr val="bg1"/>
                 </a:solidFill>
               </a:rPr>
-              <a:t>Venda de Acessórios.</a:t>
-            </a:r>
-          </a:p>
-          <a:p>
-            <a:pPr>
-              <a:buFont typeface="Wingdings" pitchFamily="2" charset="2"/>
-              <a:buChar char="Ø"/>
-            </a:pPr>
-            <a:r>
-              <a:rPr lang="pt-BR" sz="2400" b="1" dirty="0" smtClean="0">
-                <a:solidFill>
-                  <a:schemeClr val="bg1"/>
-                </a:solidFill>
-              </a:rPr>
-              <a:t>Tratamento Higiênico e Estético.</a:t>
+              <a:t>Higiênico e Estético.</a:t>
             </a:r>
             <a:endParaRPr lang="pt-BR" sz="2400" b="1" dirty="0">
               <a:solidFill>
@@ -4582,6 +6810,30 @@
           </a:p>
         </p:txBody>
       </p:sp>
+      <p:pic>
+        <p:nvPicPr>
+          <p:cNvPr id="8" name="Imagem 7" descr="aaaadssas.jpg"/>
+          <p:cNvPicPr>
+            <a:picLocks noChangeAspect="1"/>
+          </p:cNvPicPr>
+          <p:nvPr/>
+        </p:nvPicPr>
+        <p:blipFill>
+          <a:blip r:embed="rId5" cstate="print"/>
+          <a:stretch>
+            <a:fillRect/>
+          </a:stretch>
+        </p:blipFill>
+        <p:spPr>
+          <a:xfrm>
+            <a:off x="611560" y="2564904"/>
+            <a:ext cx="5184576" cy="2325204"/>
+          </a:xfrm>
+          <a:prstGeom prst="rect">
+            <a:avLst/>
+          </a:prstGeom>
+        </p:spPr>
+      </p:pic>
     </p:spTree>
   </p:cSld>
   <p:clrMapOvr>
@@ -4910,8 +7162,8 @@
         </p:nvSpPr>
         <p:spPr>
           <a:xfrm>
-            <a:off x="395536" y="1988840"/>
-            <a:ext cx="7992888" cy="2308324"/>
+            <a:off x="395536" y="1628800"/>
+            <a:ext cx="7992888" cy="830997"/>
           </a:xfrm>
           <a:prstGeom prst="rect">
             <a:avLst/>
@@ -4934,37 +7186,9 @@
                   <a:schemeClr val="bg1"/>
                 </a:solidFill>
               </a:rPr>
-              <a:t>Windows</a:t>
-            </a:r>
-          </a:p>
-          <a:p>
-            <a:pPr>
-              <a:buFont typeface="Arial" pitchFamily="34" charset="0"/>
-              <a:buChar char="•"/>
-            </a:pPr>
-            <a:r>
-              <a:rPr lang="pt-BR" sz="4800" b="1" dirty="0" smtClean="0">
-                <a:solidFill>
-                  <a:schemeClr val="bg1"/>
-                </a:solidFill>
-              </a:rPr>
-              <a:t>Web</a:t>
-            </a:r>
-          </a:p>
-          <a:p>
-            <a:pPr>
-              <a:buFont typeface="Arial" pitchFamily="34" charset="0"/>
-              <a:buChar char="•"/>
-            </a:pPr>
-            <a:r>
-              <a:rPr lang="pt-BR" sz="4800" b="1" dirty="0" err="1" smtClean="0">
-                <a:solidFill>
-                  <a:schemeClr val="bg1"/>
-                </a:solidFill>
-              </a:rPr>
-              <a:t>Android</a:t>
-            </a:r>
-            <a:endParaRPr lang="pt-BR" sz="4800" b="1" dirty="0">
+              <a:t>Windows/Desktop</a:t>
+            </a:r>
+            <a:endParaRPr lang="pt-BR" sz="4800" b="1" dirty="0" smtClean="0">
               <a:solidFill>
                 <a:schemeClr val="bg1"/>
               </a:solidFill>
@@ -4972,6 +7196,30 @@
           </a:p>
         </p:txBody>
       </p:sp>
+      <p:pic>
+        <p:nvPicPr>
+          <p:cNvPr id="8" name="Imagem 7" descr="dsdsddsd.jpg"/>
+          <p:cNvPicPr>
+            <a:picLocks noChangeAspect="1"/>
+          </p:cNvPicPr>
+          <p:nvPr/>
+        </p:nvPicPr>
+        <p:blipFill>
+          <a:blip r:embed="rId6" cstate="print"/>
+          <a:stretch>
+            <a:fillRect/>
+          </a:stretch>
+        </p:blipFill>
+        <p:spPr>
+          <a:xfrm>
+            <a:off x="4716016" y="2492896"/>
+            <a:ext cx="3240360" cy="2538282"/>
+          </a:xfrm>
+          <a:prstGeom prst="rect">
+            <a:avLst/>
+          </a:prstGeom>
+        </p:spPr>
+      </p:pic>
     </p:spTree>
   </p:cSld>
   <p:clrMapOvr>
@@ -5054,54 +7302,6 @@
           </a:prstGeom>
         </p:spPr>
       </p:pic>
-      <p:pic>
-        <p:nvPicPr>
-          <p:cNvPr id="9" name="Imagem 8" descr="pet-default.png"/>
-          <p:cNvPicPr>
-            <a:picLocks noChangeAspect="1"/>
-          </p:cNvPicPr>
-          <p:nvPr/>
-        </p:nvPicPr>
-        <p:blipFill>
-          <a:blip r:embed="rId5" cstate="print"/>
-          <a:stretch>
-            <a:fillRect/>
-          </a:stretch>
-        </p:blipFill>
-        <p:spPr>
-          <a:xfrm>
-            <a:off x="0" y="5013176"/>
-            <a:ext cx="4680520" cy="2047728"/>
-          </a:xfrm>
-          <a:prstGeom prst="rect">
-            <a:avLst/>
-          </a:prstGeom>
-        </p:spPr>
-      </p:pic>
-      <p:pic>
-        <p:nvPicPr>
-          <p:cNvPr id="10" name="Imagem 9" descr="pet-default.png"/>
-          <p:cNvPicPr>
-            <a:picLocks noChangeAspect="1"/>
-          </p:cNvPicPr>
-          <p:nvPr/>
-        </p:nvPicPr>
-        <p:blipFill>
-          <a:blip r:embed="rId5" cstate="print"/>
-          <a:stretch>
-            <a:fillRect/>
-          </a:stretch>
-        </p:blipFill>
-        <p:spPr>
-          <a:xfrm flipH="1">
-            <a:off x="4680520" y="5013176"/>
-            <a:ext cx="4463480" cy="2047728"/>
-          </a:xfrm>
-          <a:prstGeom prst="rect">
-            <a:avLst/>
-          </a:prstGeom>
-        </p:spPr>
-      </p:pic>
       <p:sp>
         <p:nvSpPr>
           <p:cNvPr id="12" name="Retângulo 11"/>
@@ -5244,8 +7444,8 @@
         </p:nvSpPr>
         <p:spPr>
           <a:xfrm>
-            <a:off x="323528" y="1988840"/>
-            <a:ext cx="7992888" cy="2308324"/>
+            <a:off x="467544" y="1052736"/>
+            <a:ext cx="7992888" cy="830997"/>
           </a:xfrm>
           <a:prstGeom prst="rect">
             <a:avLst/>
@@ -5268,43 +7468,15 @@
                   <a:schemeClr val="bg1"/>
                 </a:solidFill>
               </a:rPr>
-              <a:t>Microsoft Visual C#</a:t>
-            </a:r>
-          </a:p>
-          <a:p>
-            <a:pPr>
-              <a:buFont typeface="Arial" pitchFamily="34" charset="0"/>
-              <a:buChar char="•"/>
-            </a:pPr>
+              <a:t>Microsoft Visual C</a:t>
+            </a:r>
             <a:r>
               <a:rPr lang="pt-BR" sz="4800" b="1" dirty="0" smtClean="0">
                 <a:solidFill>
                   <a:schemeClr val="bg1"/>
                 </a:solidFill>
               </a:rPr>
-              <a:t>Eclipse JEE</a:t>
-            </a:r>
-          </a:p>
-          <a:p>
-            <a:pPr>
-              <a:buFont typeface="Arial" pitchFamily="34" charset="0"/>
-              <a:buChar char="•"/>
-            </a:pPr>
-            <a:r>
-              <a:rPr lang="pt-BR" sz="4800" b="1" dirty="0" smtClean="0">
-                <a:solidFill>
-                  <a:schemeClr val="bg1"/>
-                </a:solidFill>
-              </a:rPr>
-              <a:t>Eclipse </a:t>
-            </a:r>
-            <a:r>
-              <a:rPr lang="pt-BR" sz="4800" b="1" dirty="0" err="1" smtClean="0">
-                <a:solidFill>
-                  <a:schemeClr val="bg1"/>
-                </a:solidFill>
-              </a:rPr>
-              <a:t>Android</a:t>
+              <a:t>#</a:t>
             </a:r>
             <a:endParaRPr lang="pt-BR" sz="4800" b="1" dirty="0" smtClean="0">
               <a:solidFill>
@@ -5314,6 +7486,30 @@
           </a:p>
         </p:txBody>
       </p:sp>
+      <p:pic>
+        <p:nvPicPr>
+          <p:cNvPr id="8" name="Imagem 7" descr="unity_visual_studio.jpg"/>
+          <p:cNvPicPr>
+            <a:picLocks noChangeAspect="1"/>
+          </p:cNvPicPr>
+          <p:nvPr/>
+        </p:nvPicPr>
+        <p:blipFill>
+          <a:blip r:embed="rId5" cstate="print"/>
+          <a:stretch>
+            <a:fillRect/>
+          </a:stretch>
+        </p:blipFill>
+        <p:spPr>
+          <a:xfrm>
+            <a:off x="1475656" y="2060848"/>
+            <a:ext cx="6192688" cy="4489698"/>
+          </a:xfrm>
+          <a:prstGeom prst="rect">
+            <a:avLst/>
+          </a:prstGeom>
+        </p:spPr>
+      </p:pic>
     </p:spTree>
   </p:cSld>
   <p:clrMapOvr>
@@ -5330,6 +7526,1190 @@
 </file>
 
 <file path=ppt/slides/slide5.xml><?xml version="1.0" encoding="utf-8"?>
+<p:sld xmlns:a="http://schemas.openxmlformats.org/drawingml/2006/main" xmlns:r="http://schemas.openxmlformats.org/officeDocument/2006/relationships" xmlns:p="http://schemas.openxmlformats.org/presentationml/2006/main">
+  <p:cSld>
+    <p:spTree>
+      <p:nvGrpSpPr>
+        <p:cNvPr id="1" name=""/>
+        <p:cNvGrpSpPr/>
+        <p:nvPr/>
+      </p:nvGrpSpPr>
+      <p:grpSpPr>
+        <a:xfrm>
+          <a:off x="0" y="0"/>
+          <a:ext cx="0" cy="0"/>
+          <a:chOff x="0" y="0"/>
+          <a:chExt cx="0" cy="0"/>
+        </a:xfrm>
+      </p:grpSpPr>
+      <p:pic>
+        <p:nvPicPr>
+          <p:cNvPr id="11" name="Imagem 10" descr="Grama.jpg"/>
+          <p:cNvPicPr>
+            <a:picLocks noChangeAspect="1"/>
+          </p:cNvPicPr>
+          <p:nvPr/>
+        </p:nvPicPr>
+        <p:blipFill>
+          <a:blip r:embed="rId3" cstate="print"/>
+          <a:srcRect l="8333" r="8333"/>
+          <a:stretch>
+            <a:fillRect/>
+          </a:stretch>
+        </p:blipFill>
+        <p:spPr>
+          <a:xfrm>
+            <a:off x="0" y="0"/>
+            <a:ext cx="9144000" cy="6858000"/>
+          </a:xfrm>
+          <a:prstGeom prst="rect">
+            <a:avLst/>
+          </a:prstGeom>
+        </p:spPr>
+      </p:pic>
+      <p:pic>
+        <p:nvPicPr>
+          <p:cNvPr id="7" name="Imagem 6" descr="logo.png"/>
+          <p:cNvPicPr>
+            <a:picLocks noChangeAspect="1"/>
+          </p:cNvPicPr>
+          <p:nvPr/>
+        </p:nvPicPr>
+        <p:blipFill>
+          <a:blip r:embed="rId4" cstate="print"/>
+          <a:srcRect l="12574" t="13708" r="12574" b="29586"/>
+          <a:stretch>
+            <a:fillRect/>
+          </a:stretch>
+        </p:blipFill>
+        <p:spPr>
+          <a:xfrm>
+            <a:off x="7596336" y="188640"/>
+            <a:ext cx="1368152" cy="1036479"/>
+          </a:xfrm>
+          <a:prstGeom prst="rect">
+            <a:avLst/>
+          </a:prstGeom>
+        </p:spPr>
+      </p:pic>
+      <p:sp>
+        <p:nvSpPr>
+          <p:cNvPr id="12" name="Retângulo 11"/>
+          <p:cNvSpPr/>
+          <p:nvPr/>
+        </p:nvSpPr>
+        <p:spPr>
+          <a:xfrm>
+            <a:off x="251520" y="188640"/>
+            <a:ext cx="4896544" cy="923330"/>
+          </a:xfrm>
+          <a:prstGeom prst="rect">
+            <a:avLst/>
+          </a:prstGeom>
+          <a:noFill/>
+        </p:spPr>
+        <p:txBody>
+          <a:bodyPr wrap="square" lIns="91440" tIns="45720" rIns="91440" bIns="45720">
+            <a:spAutoFit/>
+          </a:bodyPr>
+          <a:lstStyle/>
+          <a:p>
+            <a:r>
+              <a:rPr lang="pt-BR" sz="5400" b="1" cap="none" spc="0" dirty="0" smtClean="0">
+                <a:ln w="17780" cmpd="sng">
+                  <a:solidFill>
+                    <a:srgbClr val="FFFFFF"/>
+                  </a:solidFill>
+                  <a:prstDash val="solid"/>
+                  <a:miter lim="800000"/>
+                </a:ln>
+                <a:gradFill rotWithShape="1">
+                  <a:gsLst>
+                    <a:gs pos="0">
+                      <a:srgbClr val="000000">
+                        <a:tint val="92000"/>
+                        <a:shade val="100000"/>
+                        <a:satMod val="150000"/>
+                      </a:srgbClr>
+                    </a:gs>
+                    <a:gs pos="49000">
+                      <a:srgbClr val="000000">
+                        <a:tint val="89000"/>
+                        <a:shade val="90000"/>
+                        <a:satMod val="150000"/>
+                      </a:srgbClr>
+                    </a:gs>
+                    <a:gs pos="50000">
+                      <a:srgbClr val="000000">
+                        <a:tint val="100000"/>
+                        <a:shade val="75000"/>
+                        <a:satMod val="150000"/>
+                      </a:srgbClr>
+                    </a:gs>
+                    <a:gs pos="95000">
+                      <a:srgbClr val="000000">
+                        <a:shade val="47000"/>
+                        <a:satMod val="150000"/>
+                      </a:srgbClr>
+                    </a:gs>
+                    <a:gs pos="100000">
+                      <a:srgbClr val="000000">
+                        <a:shade val="39000"/>
+                        <a:satMod val="150000"/>
+                      </a:srgbClr>
+                    </a:gs>
+                  </a:gsLst>
+                  <a:lin ang="5400000"/>
+                </a:gradFill>
+                <a:effectLst>
+                  <a:outerShdw blurRad="50800" algn="tl" rotWithShape="0">
+                    <a:srgbClr val="000000"/>
+                  </a:outerShdw>
+                </a:effectLst>
+                <a:latin typeface="Dimitri" pitchFamily="2" charset="0"/>
+              </a:rPr>
+              <a:t>Ferramentas</a:t>
+            </a:r>
+            <a:endParaRPr lang="pt-BR" sz="5400" b="1" cap="none" spc="0" dirty="0">
+              <a:ln w="17780" cmpd="sng">
+                <a:solidFill>
+                  <a:srgbClr val="FFFFFF"/>
+                </a:solidFill>
+                <a:prstDash val="solid"/>
+                <a:miter lim="800000"/>
+              </a:ln>
+              <a:gradFill rotWithShape="1">
+                <a:gsLst>
+                  <a:gs pos="0">
+                    <a:srgbClr val="000000">
+                      <a:tint val="92000"/>
+                      <a:shade val="100000"/>
+                      <a:satMod val="150000"/>
+                    </a:srgbClr>
+                  </a:gs>
+                  <a:gs pos="49000">
+                    <a:srgbClr val="000000">
+                      <a:tint val="89000"/>
+                      <a:shade val="90000"/>
+                      <a:satMod val="150000"/>
+                    </a:srgbClr>
+                  </a:gs>
+                  <a:gs pos="50000">
+                    <a:srgbClr val="000000">
+                      <a:tint val="100000"/>
+                      <a:shade val="75000"/>
+                      <a:satMod val="150000"/>
+                    </a:srgbClr>
+                  </a:gs>
+                  <a:gs pos="95000">
+                    <a:srgbClr val="000000">
+                      <a:shade val="47000"/>
+                      <a:satMod val="150000"/>
+                    </a:srgbClr>
+                  </a:gs>
+                  <a:gs pos="100000">
+                    <a:srgbClr val="000000">
+                      <a:shade val="39000"/>
+                      <a:satMod val="150000"/>
+                    </a:srgbClr>
+                  </a:gs>
+                </a:gsLst>
+                <a:lin ang="5400000"/>
+              </a:gradFill>
+              <a:effectLst>
+                <a:outerShdw blurRad="50800" algn="tl" rotWithShape="0">
+                  <a:srgbClr val="000000"/>
+                </a:outerShdw>
+              </a:effectLst>
+              <a:latin typeface="Dimitri" pitchFamily="2" charset="0"/>
+            </a:endParaRPr>
+          </a:p>
+        </p:txBody>
+      </p:sp>
+      <p:sp>
+        <p:nvSpPr>
+          <p:cNvPr id="13" name="CaixaDeTexto 12"/>
+          <p:cNvSpPr txBox="1"/>
+          <p:nvPr/>
+        </p:nvSpPr>
+        <p:spPr>
+          <a:xfrm>
+            <a:off x="467544" y="1052736"/>
+            <a:ext cx="7992888" cy="830997"/>
+          </a:xfrm>
+          <a:prstGeom prst="rect">
+            <a:avLst/>
+          </a:prstGeom>
+          <a:noFill/>
+        </p:spPr>
+        <p:txBody>
+          <a:bodyPr wrap="square" rtlCol="0">
+            <a:spAutoFit/>
+          </a:bodyPr>
+          <a:lstStyle/>
+          <a:p>
+            <a:pPr>
+              <a:buFont typeface="Arial" pitchFamily="34" charset="0"/>
+              <a:buChar char="•"/>
+            </a:pPr>
+            <a:r>
+              <a:rPr lang="pt-BR" sz="4800" b="1" dirty="0" err="1" smtClean="0">
+                <a:solidFill>
+                  <a:schemeClr val="bg1"/>
+                </a:solidFill>
+              </a:rPr>
+              <a:t>Mysql</a:t>
+            </a:r>
+            <a:r>
+              <a:rPr lang="pt-BR" sz="4800" b="1" dirty="0" smtClean="0">
+                <a:solidFill>
+                  <a:schemeClr val="bg1"/>
+                </a:solidFill>
+              </a:rPr>
+              <a:t> </a:t>
+            </a:r>
+            <a:r>
+              <a:rPr lang="pt-BR" sz="4800" b="1" dirty="0" err="1" smtClean="0">
+                <a:solidFill>
+                  <a:schemeClr val="bg1"/>
+                </a:solidFill>
+              </a:rPr>
+              <a:t>Workbench</a:t>
+            </a:r>
+            <a:endParaRPr lang="pt-BR" sz="4800" b="1" dirty="0" smtClean="0">
+              <a:solidFill>
+                <a:schemeClr val="bg1"/>
+              </a:solidFill>
+            </a:endParaRPr>
+          </a:p>
+        </p:txBody>
+      </p:sp>
+      <p:pic>
+        <p:nvPicPr>
+          <p:cNvPr id="1026" name="Picture 2"/>
+          <p:cNvPicPr>
+            <a:picLocks noChangeAspect="1" noChangeArrowheads="1"/>
+          </p:cNvPicPr>
+          <p:nvPr/>
+        </p:nvPicPr>
+        <p:blipFill>
+          <a:blip r:embed="rId5" cstate="print"/>
+          <a:srcRect/>
+          <a:stretch>
+            <a:fillRect/>
+          </a:stretch>
+        </p:blipFill>
+        <p:spPr bwMode="auto">
+          <a:xfrm>
+            <a:off x="395536" y="2060848"/>
+            <a:ext cx="8424936" cy="3659961"/>
+          </a:xfrm>
+          <a:prstGeom prst="rect">
+            <a:avLst/>
+          </a:prstGeom>
+          <a:noFill/>
+          <a:ln w="9525">
+            <a:noFill/>
+            <a:miter lim="800000"/>
+            <a:headEnd/>
+            <a:tailEnd/>
+          </a:ln>
+        </p:spPr>
+      </p:pic>
+    </p:spTree>
+  </p:cSld>
+  <p:clrMapOvr>
+    <a:masterClrMapping/>
+  </p:clrMapOvr>
+  <p:timing>
+    <p:tnLst>
+      <p:par>
+        <p:cTn id="1" dur="indefinite" restart="never" nodeType="tmRoot"/>
+      </p:par>
+    </p:tnLst>
+  </p:timing>
+</p:sld>
+</file>
+
+<file path=ppt/slides/slide6.xml><?xml version="1.0" encoding="utf-8"?>
+<p:sld xmlns:a="http://schemas.openxmlformats.org/drawingml/2006/main" xmlns:r="http://schemas.openxmlformats.org/officeDocument/2006/relationships" xmlns:p="http://schemas.openxmlformats.org/presentationml/2006/main">
+  <p:cSld>
+    <p:spTree>
+      <p:nvGrpSpPr>
+        <p:cNvPr id="1" name=""/>
+        <p:cNvGrpSpPr/>
+        <p:nvPr/>
+      </p:nvGrpSpPr>
+      <p:grpSpPr>
+        <a:xfrm>
+          <a:off x="0" y="0"/>
+          <a:ext cx="0" cy="0"/>
+          <a:chOff x="0" y="0"/>
+          <a:chExt cx="0" cy="0"/>
+        </a:xfrm>
+      </p:grpSpPr>
+      <p:pic>
+        <p:nvPicPr>
+          <p:cNvPr id="11" name="Imagem 10" descr="Grama.jpg"/>
+          <p:cNvPicPr>
+            <a:picLocks noChangeAspect="1"/>
+          </p:cNvPicPr>
+          <p:nvPr/>
+        </p:nvPicPr>
+        <p:blipFill>
+          <a:blip r:embed="rId3" cstate="print"/>
+          <a:srcRect l="8333" r="8333"/>
+          <a:stretch>
+            <a:fillRect/>
+          </a:stretch>
+        </p:blipFill>
+        <p:spPr>
+          <a:xfrm>
+            <a:off x="0" y="0"/>
+            <a:ext cx="9144000" cy="6858000"/>
+          </a:xfrm>
+          <a:prstGeom prst="rect">
+            <a:avLst/>
+          </a:prstGeom>
+        </p:spPr>
+      </p:pic>
+      <p:pic>
+        <p:nvPicPr>
+          <p:cNvPr id="7" name="Imagem 6" descr="logo.png"/>
+          <p:cNvPicPr>
+            <a:picLocks noChangeAspect="1"/>
+          </p:cNvPicPr>
+          <p:nvPr/>
+        </p:nvPicPr>
+        <p:blipFill>
+          <a:blip r:embed="rId4" cstate="print"/>
+          <a:srcRect l="12574" t="13708" r="12574" b="29586"/>
+          <a:stretch>
+            <a:fillRect/>
+          </a:stretch>
+        </p:blipFill>
+        <p:spPr>
+          <a:xfrm>
+            <a:off x="7596336" y="188640"/>
+            <a:ext cx="1368152" cy="1036479"/>
+          </a:xfrm>
+          <a:prstGeom prst="rect">
+            <a:avLst/>
+          </a:prstGeom>
+        </p:spPr>
+      </p:pic>
+      <p:sp>
+        <p:nvSpPr>
+          <p:cNvPr id="12" name="Retângulo 11"/>
+          <p:cNvSpPr/>
+          <p:nvPr/>
+        </p:nvSpPr>
+        <p:spPr>
+          <a:xfrm>
+            <a:off x="251520" y="188640"/>
+            <a:ext cx="4896544" cy="923330"/>
+          </a:xfrm>
+          <a:prstGeom prst="rect">
+            <a:avLst/>
+          </a:prstGeom>
+          <a:noFill/>
+        </p:spPr>
+        <p:txBody>
+          <a:bodyPr wrap="square" lIns="91440" tIns="45720" rIns="91440" bIns="45720">
+            <a:spAutoFit/>
+          </a:bodyPr>
+          <a:lstStyle/>
+          <a:p>
+            <a:r>
+              <a:rPr lang="pt-BR" sz="5400" b="1" cap="none" spc="0" dirty="0" smtClean="0">
+                <a:ln w="17780" cmpd="sng">
+                  <a:solidFill>
+                    <a:srgbClr val="FFFFFF"/>
+                  </a:solidFill>
+                  <a:prstDash val="solid"/>
+                  <a:miter lim="800000"/>
+                </a:ln>
+                <a:gradFill rotWithShape="1">
+                  <a:gsLst>
+                    <a:gs pos="0">
+                      <a:srgbClr val="000000">
+                        <a:tint val="92000"/>
+                        <a:shade val="100000"/>
+                        <a:satMod val="150000"/>
+                      </a:srgbClr>
+                    </a:gs>
+                    <a:gs pos="49000">
+                      <a:srgbClr val="000000">
+                        <a:tint val="89000"/>
+                        <a:shade val="90000"/>
+                        <a:satMod val="150000"/>
+                      </a:srgbClr>
+                    </a:gs>
+                    <a:gs pos="50000">
+                      <a:srgbClr val="000000">
+                        <a:tint val="100000"/>
+                        <a:shade val="75000"/>
+                        <a:satMod val="150000"/>
+                      </a:srgbClr>
+                    </a:gs>
+                    <a:gs pos="95000">
+                      <a:srgbClr val="000000">
+                        <a:shade val="47000"/>
+                        <a:satMod val="150000"/>
+                      </a:srgbClr>
+                    </a:gs>
+                    <a:gs pos="100000">
+                      <a:srgbClr val="000000">
+                        <a:shade val="39000"/>
+                        <a:satMod val="150000"/>
+                      </a:srgbClr>
+                    </a:gs>
+                  </a:gsLst>
+                  <a:lin ang="5400000"/>
+                </a:gradFill>
+                <a:effectLst>
+                  <a:outerShdw blurRad="50800" algn="tl" rotWithShape="0">
+                    <a:srgbClr val="000000"/>
+                  </a:outerShdw>
+                </a:effectLst>
+                <a:latin typeface="Dimitri" pitchFamily="2" charset="0"/>
+              </a:rPr>
+              <a:t>Ferramentas</a:t>
+            </a:r>
+            <a:endParaRPr lang="pt-BR" sz="5400" b="1" cap="none" spc="0" dirty="0">
+              <a:ln w="17780" cmpd="sng">
+                <a:solidFill>
+                  <a:srgbClr val="FFFFFF"/>
+                </a:solidFill>
+                <a:prstDash val="solid"/>
+                <a:miter lim="800000"/>
+              </a:ln>
+              <a:gradFill rotWithShape="1">
+                <a:gsLst>
+                  <a:gs pos="0">
+                    <a:srgbClr val="000000">
+                      <a:tint val="92000"/>
+                      <a:shade val="100000"/>
+                      <a:satMod val="150000"/>
+                    </a:srgbClr>
+                  </a:gs>
+                  <a:gs pos="49000">
+                    <a:srgbClr val="000000">
+                      <a:tint val="89000"/>
+                      <a:shade val="90000"/>
+                      <a:satMod val="150000"/>
+                    </a:srgbClr>
+                  </a:gs>
+                  <a:gs pos="50000">
+                    <a:srgbClr val="000000">
+                      <a:tint val="100000"/>
+                      <a:shade val="75000"/>
+                      <a:satMod val="150000"/>
+                    </a:srgbClr>
+                  </a:gs>
+                  <a:gs pos="95000">
+                    <a:srgbClr val="000000">
+                      <a:shade val="47000"/>
+                      <a:satMod val="150000"/>
+                    </a:srgbClr>
+                  </a:gs>
+                  <a:gs pos="100000">
+                    <a:srgbClr val="000000">
+                      <a:shade val="39000"/>
+                      <a:satMod val="150000"/>
+                    </a:srgbClr>
+                  </a:gs>
+                </a:gsLst>
+                <a:lin ang="5400000"/>
+              </a:gradFill>
+              <a:effectLst>
+                <a:outerShdw blurRad="50800" algn="tl" rotWithShape="0">
+                  <a:srgbClr val="000000"/>
+                </a:outerShdw>
+              </a:effectLst>
+              <a:latin typeface="Dimitri" pitchFamily="2" charset="0"/>
+            </a:endParaRPr>
+          </a:p>
+        </p:txBody>
+      </p:sp>
+      <p:sp>
+        <p:nvSpPr>
+          <p:cNvPr id="13" name="CaixaDeTexto 12"/>
+          <p:cNvSpPr txBox="1"/>
+          <p:nvPr/>
+        </p:nvSpPr>
+        <p:spPr>
+          <a:xfrm>
+            <a:off x="467544" y="1052736"/>
+            <a:ext cx="7992888" cy="830997"/>
+          </a:xfrm>
+          <a:prstGeom prst="rect">
+            <a:avLst/>
+          </a:prstGeom>
+          <a:noFill/>
+        </p:spPr>
+        <p:txBody>
+          <a:bodyPr wrap="square" rtlCol="0">
+            <a:spAutoFit/>
+          </a:bodyPr>
+          <a:lstStyle/>
+          <a:p>
+            <a:pPr>
+              <a:buFont typeface="Arial" pitchFamily="34" charset="0"/>
+              <a:buChar char="•"/>
+            </a:pPr>
+            <a:r>
+              <a:rPr lang="pt-BR" sz="4800" b="1" dirty="0" err="1" smtClean="0">
+                <a:solidFill>
+                  <a:schemeClr val="bg1"/>
+                </a:solidFill>
+              </a:rPr>
+              <a:t>Cacoo</a:t>
+            </a:r>
+            <a:endParaRPr lang="pt-BR" sz="4800" b="1" dirty="0" smtClean="0">
+              <a:solidFill>
+                <a:schemeClr val="bg1"/>
+              </a:solidFill>
+            </a:endParaRPr>
+          </a:p>
+        </p:txBody>
+      </p:sp>
+      <p:pic>
+        <p:nvPicPr>
+          <p:cNvPr id="2050" name="Picture 2"/>
+          <p:cNvPicPr>
+            <a:picLocks noChangeAspect="1" noChangeArrowheads="1"/>
+          </p:cNvPicPr>
+          <p:nvPr/>
+        </p:nvPicPr>
+        <p:blipFill>
+          <a:blip r:embed="rId5" cstate="print"/>
+          <a:srcRect r="10884"/>
+          <a:stretch>
+            <a:fillRect/>
+          </a:stretch>
+        </p:blipFill>
+        <p:spPr bwMode="auto">
+          <a:xfrm>
+            <a:off x="827584" y="1916832"/>
+            <a:ext cx="7788859" cy="4563686"/>
+          </a:xfrm>
+          <a:prstGeom prst="rect">
+            <a:avLst/>
+          </a:prstGeom>
+          <a:noFill/>
+          <a:ln w="9525">
+            <a:noFill/>
+            <a:miter lim="800000"/>
+            <a:headEnd/>
+            <a:tailEnd/>
+          </a:ln>
+        </p:spPr>
+      </p:pic>
+    </p:spTree>
+  </p:cSld>
+  <p:clrMapOvr>
+    <a:masterClrMapping/>
+  </p:clrMapOvr>
+  <p:timing>
+    <p:tnLst>
+      <p:par>
+        <p:cTn id="1" dur="indefinite" restart="never" nodeType="tmRoot"/>
+      </p:par>
+    </p:tnLst>
+  </p:timing>
+</p:sld>
+</file>
+
+<file path=ppt/slides/slide7.xml><?xml version="1.0" encoding="utf-8"?>
+<p:sld xmlns:a="http://schemas.openxmlformats.org/drawingml/2006/main" xmlns:r="http://schemas.openxmlformats.org/officeDocument/2006/relationships" xmlns:p="http://schemas.openxmlformats.org/presentationml/2006/main">
+  <p:cSld>
+    <p:spTree>
+      <p:nvGrpSpPr>
+        <p:cNvPr id="1" name=""/>
+        <p:cNvGrpSpPr/>
+        <p:nvPr/>
+      </p:nvGrpSpPr>
+      <p:grpSpPr>
+        <a:xfrm>
+          <a:off x="0" y="0"/>
+          <a:ext cx="0" cy="0"/>
+          <a:chOff x="0" y="0"/>
+          <a:chExt cx="0" cy="0"/>
+        </a:xfrm>
+      </p:grpSpPr>
+      <p:pic>
+        <p:nvPicPr>
+          <p:cNvPr id="11" name="Imagem 10" descr="Grama.jpg"/>
+          <p:cNvPicPr>
+            <a:picLocks noChangeAspect="1"/>
+          </p:cNvPicPr>
+          <p:nvPr/>
+        </p:nvPicPr>
+        <p:blipFill>
+          <a:blip r:embed="rId3" cstate="print"/>
+          <a:srcRect l="8333" r="8333"/>
+          <a:stretch>
+            <a:fillRect/>
+          </a:stretch>
+        </p:blipFill>
+        <p:spPr>
+          <a:xfrm>
+            <a:off x="0" y="0"/>
+            <a:ext cx="9144000" cy="6858000"/>
+          </a:xfrm>
+          <a:prstGeom prst="rect">
+            <a:avLst/>
+          </a:prstGeom>
+        </p:spPr>
+      </p:pic>
+      <p:pic>
+        <p:nvPicPr>
+          <p:cNvPr id="7" name="Imagem 6" descr="logo.png"/>
+          <p:cNvPicPr>
+            <a:picLocks noChangeAspect="1"/>
+          </p:cNvPicPr>
+          <p:nvPr/>
+        </p:nvPicPr>
+        <p:blipFill>
+          <a:blip r:embed="rId4" cstate="print"/>
+          <a:srcRect l="12574" t="13708" r="12574" b="29586"/>
+          <a:stretch>
+            <a:fillRect/>
+          </a:stretch>
+        </p:blipFill>
+        <p:spPr>
+          <a:xfrm>
+            <a:off x="7596336" y="188640"/>
+            <a:ext cx="1368152" cy="1036479"/>
+          </a:xfrm>
+          <a:prstGeom prst="rect">
+            <a:avLst/>
+          </a:prstGeom>
+        </p:spPr>
+      </p:pic>
+      <p:sp>
+        <p:nvSpPr>
+          <p:cNvPr id="12" name="Retângulo 11"/>
+          <p:cNvSpPr/>
+          <p:nvPr/>
+        </p:nvSpPr>
+        <p:spPr>
+          <a:xfrm>
+            <a:off x="251520" y="188640"/>
+            <a:ext cx="4896544" cy="923330"/>
+          </a:xfrm>
+          <a:prstGeom prst="rect">
+            <a:avLst/>
+          </a:prstGeom>
+          <a:noFill/>
+        </p:spPr>
+        <p:txBody>
+          <a:bodyPr wrap="square" lIns="91440" tIns="45720" rIns="91440" bIns="45720">
+            <a:spAutoFit/>
+          </a:bodyPr>
+          <a:lstStyle/>
+          <a:p>
+            <a:r>
+              <a:rPr lang="pt-BR" sz="5400" b="1" cap="none" spc="0" dirty="0" smtClean="0">
+                <a:ln w="17780" cmpd="sng">
+                  <a:solidFill>
+                    <a:srgbClr val="FFFFFF"/>
+                  </a:solidFill>
+                  <a:prstDash val="solid"/>
+                  <a:miter lim="800000"/>
+                </a:ln>
+                <a:gradFill rotWithShape="1">
+                  <a:gsLst>
+                    <a:gs pos="0">
+                      <a:srgbClr val="000000">
+                        <a:tint val="92000"/>
+                        <a:shade val="100000"/>
+                        <a:satMod val="150000"/>
+                      </a:srgbClr>
+                    </a:gs>
+                    <a:gs pos="49000">
+                      <a:srgbClr val="000000">
+                        <a:tint val="89000"/>
+                        <a:shade val="90000"/>
+                        <a:satMod val="150000"/>
+                      </a:srgbClr>
+                    </a:gs>
+                    <a:gs pos="50000">
+                      <a:srgbClr val="000000">
+                        <a:tint val="100000"/>
+                        <a:shade val="75000"/>
+                        <a:satMod val="150000"/>
+                      </a:srgbClr>
+                    </a:gs>
+                    <a:gs pos="95000">
+                      <a:srgbClr val="000000">
+                        <a:shade val="47000"/>
+                        <a:satMod val="150000"/>
+                      </a:srgbClr>
+                    </a:gs>
+                    <a:gs pos="100000">
+                      <a:srgbClr val="000000">
+                        <a:shade val="39000"/>
+                        <a:satMod val="150000"/>
+                      </a:srgbClr>
+                    </a:gs>
+                  </a:gsLst>
+                  <a:lin ang="5400000"/>
+                </a:gradFill>
+                <a:effectLst>
+                  <a:outerShdw blurRad="50800" algn="tl" rotWithShape="0">
+                    <a:srgbClr val="000000"/>
+                  </a:outerShdw>
+                </a:effectLst>
+                <a:latin typeface="Dimitri" pitchFamily="2" charset="0"/>
+              </a:rPr>
+              <a:t>Ferramentas</a:t>
+            </a:r>
+            <a:endParaRPr lang="pt-BR" sz="5400" b="1" cap="none" spc="0" dirty="0">
+              <a:ln w="17780" cmpd="sng">
+                <a:solidFill>
+                  <a:srgbClr val="FFFFFF"/>
+                </a:solidFill>
+                <a:prstDash val="solid"/>
+                <a:miter lim="800000"/>
+              </a:ln>
+              <a:gradFill rotWithShape="1">
+                <a:gsLst>
+                  <a:gs pos="0">
+                    <a:srgbClr val="000000">
+                      <a:tint val="92000"/>
+                      <a:shade val="100000"/>
+                      <a:satMod val="150000"/>
+                    </a:srgbClr>
+                  </a:gs>
+                  <a:gs pos="49000">
+                    <a:srgbClr val="000000">
+                      <a:tint val="89000"/>
+                      <a:shade val="90000"/>
+                      <a:satMod val="150000"/>
+                    </a:srgbClr>
+                  </a:gs>
+                  <a:gs pos="50000">
+                    <a:srgbClr val="000000">
+                      <a:tint val="100000"/>
+                      <a:shade val="75000"/>
+                      <a:satMod val="150000"/>
+                    </a:srgbClr>
+                  </a:gs>
+                  <a:gs pos="95000">
+                    <a:srgbClr val="000000">
+                      <a:shade val="47000"/>
+                      <a:satMod val="150000"/>
+                    </a:srgbClr>
+                  </a:gs>
+                  <a:gs pos="100000">
+                    <a:srgbClr val="000000">
+                      <a:shade val="39000"/>
+                      <a:satMod val="150000"/>
+                    </a:srgbClr>
+                  </a:gs>
+                </a:gsLst>
+                <a:lin ang="5400000"/>
+              </a:gradFill>
+              <a:effectLst>
+                <a:outerShdw blurRad="50800" algn="tl" rotWithShape="0">
+                  <a:srgbClr val="000000"/>
+                </a:outerShdw>
+              </a:effectLst>
+              <a:latin typeface="Dimitri" pitchFamily="2" charset="0"/>
+            </a:endParaRPr>
+          </a:p>
+        </p:txBody>
+      </p:sp>
+      <p:sp>
+        <p:nvSpPr>
+          <p:cNvPr id="13" name="CaixaDeTexto 12"/>
+          <p:cNvSpPr txBox="1"/>
+          <p:nvPr/>
+        </p:nvSpPr>
+        <p:spPr>
+          <a:xfrm>
+            <a:off x="467544" y="1052736"/>
+            <a:ext cx="7992888" cy="830997"/>
+          </a:xfrm>
+          <a:prstGeom prst="rect">
+            <a:avLst/>
+          </a:prstGeom>
+          <a:noFill/>
+        </p:spPr>
+        <p:txBody>
+          <a:bodyPr wrap="square" rtlCol="0">
+            <a:spAutoFit/>
+          </a:bodyPr>
+          <a:lstStyle/>
+          <a:p>
+            <a:pPr>
+              <a:buFont typeface="Arial" pitchFamily="34" charset="0"/>
+              <a:buChar char="•"/>
+            </a:pPr>
+            <a:r>
+              <a:rPr lang="pt-BR" sz="4800" b="1" dirty="0" err="1" smtClean="0">
+                <a:solidFill>
+                  <a:schemeClr val="bg1"/>
+                </a:solidFill>
+              </a:rPr>
+              <a:t>Trello</a:t>
+            </a:r>
+            <a:endParaRPr lang="pt-BR" sz="4800" b="1" dirty="0" smtClean="0">
+              <a:solidFill>
+                <a:schemeClr val="bg1"/>
+              </a:solidFill>
+            </a:endParaRPr>
+          </a:p>
+        </p:txBody>
+      </p:sp>
+      <p:pic>
+        <p:nvPicPr>
+          <p:cNvPr id="3074" name="Picture 2"/>
+          <p:cNvPicPr>
+            <a:picLocks noChangeAspect="1" noChangeArrowheads="1"/>
+          </p:cNvPicPr>
+          <p:nvPr/>
+        </p:nvPicPr>
+        <p:blipFill>
+          <a:blip r:embed="rId5" cstate="print"/>
+          <a:srcRect/>
+          <a:stretch>
+            <a:fillRect/>
+          </a:stretch>
+        </p:blipFill>
+        <p:spPr bwMode="auto">
+          <a:xfrm>
+            <a:off x="539552" y="1844824"/>
+            <a:ext cx="8172400" cy="4622210"/>
+          </a:xfrm>
+          <a:prstGeom prst="rect">
+            <a:avLst/>
+          </a:prstGeom>
+          <a:noFill/>
+          <a:ln w="9525">
+            <a:noFill/>
+            <a:miter lim="800000"/>
+            <a:headEnd/>
+            <a:tailEnd/>
+          </a:ln>
+        </p:spPr>
+      </p:pic>
+    </p:spTree>
+  </p:cSld>
+  <p:clrMapOvr>
+    <a:masterClrMapping/>
+  </p:clrMapOvr>
+  <p:timing>
+    <p:tnLst>
+      <p:par>
+        <p:cTn id="1" dur="indefinite" restart="never" nodeType="tmRoot"/>
+      </p:par>
+    </p:tnLst>
+  </p:timing>
+</p:sld>
+</file>
+
+<file path=ppt/slides/slide8.xml><?xml version="1.0" encoding="utf-8"?>
+<p:sld xmlns:a="http://schemas.openxmlformats.org/drawingml/2006/main" xmlns:r="http://schemas.openxmlformats.org/officeDocument/2006/relationships" xmlns:p="http://schemas.openxmlformats.org/presentationml/2006/main">
+  <p:cSld>
+    <p:spTree>
+      <p:nvGrpSpPr>
+        <p:cNvPr id="1" name=""/>
+        <p:cNvGrpSpPr/>
+        <p:nvPr/>
+      </p:nvGrpSpPr>
+      <p:grpSpPr>
+        <a:xfrm>
+          <a:off x="0" y="0"/>
+          <a:ext cx="0" cy="0"/>
+          <a:chOff x="0" y="0"/>
+          <a:chExt cx="0" cy="0"/>
+        </a:xfrm>
+      </p:grpSpPr>
+      <p:pic>
+        <p:nvPicPr>
+          <p:cNvPr id="11" name="Imagem 10" descr="Grama.jpg"/>
+          <p:cNvPicPr>
+            <a:picLocks noChangeAspect="1"/>
+          </p:cNvPicPr>
+          <p:nvPr/>
+        </p:nvPicPr>
+        <p:blipFill>
+          <a:blip r:embed="rId3" cstate="print"/>
+          <a:srcRect l="8333" r="8333"/>
+          <a:stretch>
+            <a:fillRect/>
+          </a:stretch>
+        </p:blipFill>
+        <p:spPr>
+          <a:xfrm>
+            <a:off x="0" y="0"/>
+            <a:ext cx="9144000" cy="6858000"/>
+          </a:xfrm>
+          <a:prstGeom prst="rect">
+            <a:avLst/>
+          </a:prstGeom>
+        </p:spPr>
+      </p:pic>
+      <p:pic>
+        <p:nvPicPr>
+          <p:cNvPr id="7" name="Imagem 6" descr="logo.png"/>
+          <p:cNvPicPr>
+            <a:picLocks noChangeAspect="1"/>
+          </p:cNvPicPr>
+          <p:nvPr/>
+        </p:nvPicPr>
+        <p:blipFill>
+          <a:blip r:embed="rId4" cstate="print"/>
+          <a:srcRect l="12574" t="13708" r="12574" b="29586"/>
+          <a:stretch>
+            <a:fillRect/>
+          </a:stretch>
+        </p:blipFill>
+        <p:spPr>
+          <a:xfrm>
+            <a:off x="7596336" y="188640"/>
+            <a:ext cx="1368152" cy="1036479"/>
+          </a:xfrm>
+          <a:prstGeom prst="rect">
+            <a:avLst/>
+          </a:prstGeom>
+        </p:spPr>
+      </p:pic>
+      <p:sp>
+        <p:nvSpPr>
+          <p:cNvPr id="12" name="Retângulo 11"/>
+          <p:cNvSpPr/>
+          <p:nvPr/>
+        </p:nvSpPr>
+        <p:spPr>
+          <a:xfrm>
+            <a:off x="251520" y="188640"/>
+            <a:ext cx="4896544" cy="923330"/>
+          </a:xfrm>
+          <a:prstGeom prst="rect">
+            <a:avLst/>
+          </a:prstGeom>
+          <a:noFill/>
+        </p:spPr>
+        <p:txBody>
+          <a:bodyPr wrap="square" lIns="91440" tIns="45720" rIns="91440" bIns="45720">
+            <a:spAutoFit/>
+          </a:bodyPr>
+          <a:lstStyle/>
+          <a:p>
+            <a:r>
+              <a:rPr lang="pt-BR" sz="5400" b="1" cap="none" spc="0" dirty="0" smtClean="0">
+                <a:ln w="17780" cmpd="sng">
+                  <a:solidFill>
+                    <a:srgbClr val="FFFFFF"/>
+                  </a:solidFill>
+                  <a:prstDash val="solid"/>
+                  <a:miter lim="800000"/>
+                </a:ln>
+                <a:gradFill rotWithShape="1">
+                  <a:gsLst>
+                    <a:gs pos="0">
+                      <a:srgbClr val="000000">
+                        <a:tint val="92000"/>
+                        <a:shade val="100000"/>
+                        <a:satMod val="150000"/>
+                      </a:srgbClr>
+                    </a:gs>
+                    <a:gs pos="49000">
+                      <a:srgbClr val="000000">
+                        <a:tint val="89000"/>
+                        <a:shade val="90000"/>
+                        <a:satMod val="150000"/>
+                      </a:srgbClr>
+                    </a:gs>
+                    <a:gs pos="50000">
+                      <a:srgbClr val="000000">
+                        <a:tint val="100000"/>
+                        <a:shade val="75000"/>
+                        <a:satMod val="150000"/>
+                      </a:srgbClr>
+                    </a:gs>
+                    <a:gs pos="95000">
+                      <a:srgbClr val="000000">
+                        <a:shade val="47000"/>
+                        <a:satMod val="150000"/>
+                      </a:srgbClr>
+                    </a:gs>
+                    <a:gs pos="100000">
+                      <a:srgbClr val="000000">
+                        <a:shade val="39000"/>
+                        <a:satMod val="150000"/>
+                      </a:srgbClr>
+                    </a:gs>
+                  </a:gsLst>
+                  <a:lin ang="5400000"/>
+                </a:gradFill>
+                <a:effectLst>
+                  <a:outerShdw blurRad="50800" algn="tl" rotWithShape="0">
+                    <a:srgbClr val="000000"/>
+                  </a:outerShdw>
+                </a:effectLst>
+                <a:latin typeface="Dimitri" pitchFamily="2" charset="0"/>
+              </a:rPr>
+              <a:t>Ferramentas</a:t>
+            </a:r>
+            <a:endParaRPr lang="pt-BR" sz="5400" b="1" cap="none" spc="0" dirty="0">
+              <a:ln w="17780" cmpd="sng">
+                <a:solidFill>
+                  <a:srgbClr val="FFFFFF"/>
+                </a:solidFill>
+                <a:prstDash val="solid"/>
+                <a:miter lim="800000"/>
+              </a:ln>
+              <a:gradFill rotWithShape="1">
+                <a:gsLst>
+                  <a:gs pos="0">
+                    <a:srgbClr val="000000">
+                      <a:tint val="92000"/>
+                      <a:shade val="100000"/>
+                      <a:satMod val="150000"/>
+                    </a:srgbClr>
+                  </a:gs>
+                  <a:gs pos="49000">
+                    <a:srgbClr val="000000">
+                      <a:tint val="89000"/>
+                      <a:shade val="90000"/>
+                      <a:satMod val="150000"/>
+                    </a:srgbClr>
+                  </a:gs>
+                  <a:gs pos="50000">
+                    <a:srgbClr val="000000">
+                      <a:tint val="100000"/>
+                      <a:shade val="75000"/>
+                      <a:satMod val="150000"/>
+                    </a:srgbClr>
+                  </a:gs>
+                  <a:gs pos="95000">
+                    <a:srgbClr val="000000">
+                      <a:shade val="47000"/>
+                      <a:satMod val="150000"/>
+                    </a:srgbClr>
+                  </a:gs>
+                  <a:gs pos="100000">
+                    <a:srgbClr val="000000">
+                      <a:shade val="39000"/>
+                      <a:satMod val="150000"/>
+                    </a:srgbClr>
+                  </a:gs>
+                </a:gsLst>
+                <a:lin ang="5400000"/>
+              </a:gradFill>
+              <a:effectLst>
+                <a:outerShdw blurRad="50800" algn="tl" rotWithShape="0">
+                  <a:srgbClr val="000000"/>
+                </a:outerShdw>
+              </a:effectLst>
+              <a:latin typeface="Dimitri" pitchFamily="2" charset="0"/>
+            </a:endParaRPr>
+          </a:p>
+        </p:txBody>
+      </p:sp>
+      <p:sp>
+        <p:nvSpPr>
+          <p:cNvPr id="13" name="CaixaDeTexto 12"/>
+          <p:cNvSpPr txBox="1"/>
+          <p:nvPr/>
+        </p:nvSpPr>
+        <p:spPr>
+          <a:xfrm>
+            <a:off x="467544" y="1052736"/>
+            <a:ext cx="7992888" cy="830997"/>
+          </a:xfrm>
+          <a:prstGeom prst="rect">
+            <a:avLst/>
+          </a:prstGeom>
+          <a:noFill/>
+        </p:spPr>
+        <p:txBody>
+          <a:bodyPr wrap="square" rtlCol="0">
+            <a:spAutoFit/>
+          </a:bodyPr>
+          <a:lstStyle/>
+          <a:p>
+            <a:pPr>
+              <a:buFont typeface="Arial" pitchFamily="34" charset="0"/>
+              <a:buChar char="•"/>
+            </a:pPr>
+            <a:r>
+              <a:rPr lang="pt-BR" sz="4800" b="1" dirty="0" smtClean="0">
+                <a:solidFill>
+                  <a:schemeClr val="bg1"/>
+                </a:solidFill>
+              </a:rPr>
+              <a:t>Google </a:t>
+            </a:r>
+            <a:r>
+              <a:rPr lang="pt-BR" sz="4800" b="1" dirty="0" err="1" smtClean="0">
+                <a:solidFill>
+                  <a:schemeClr val="bg1"/>
+                </a:solidFill>
+              </a:rPr>
+              <a:t>Calendar</a:t>
+            </a:r>
+            <a:endParaRPr lang="pt-BR" sz="4800" b="1" dirty="0" smtClean="0">
+              <a:solidFill>
+                <a:schemeClr val="bg1"/>
+              </a:solidFill>
+            </a:endParaRPr>
+          </a:p>
+        </p:txBody>
+      </p:sp>
+      <p:pic>
+        <p:nvPicPr>
+          <p:cNvPr id="4098" name="Picture 2"/>
+          <p:cNvPicPr>
+            <a:picLocks noChangeAspect="1" noChangeArrowheads="1"/>
+          </p:cNvPicPr>
+          <p:nvPr/>
+        </p:nvPicPr>
+        <p:blipFill>
+          <a:blip r:embed="rId5" cstate="print"/>
+          <a:srcRect/>
+          <a:stretch>
+            <a:fillRect/>
+          </a:stretch>
+        </p:blipFill>
+        <p:spPr bwMode="auto">
+          <a:xfrm>
+            <a:off x="395536" y="1844824"/>
+            <a:ext cx="8390180" cy="4777742"/>
+          </a:xfrm>
+          <a:prstGeom prst="rect">
+            <a:avLst/>
+          </a:prstGeom>
+          <a:noFill/>
+          <a:ln w="9525">
+            <a:noFill/>
+            <a:miter lim="800000"/>
+            <a:headEnd/>
+            <a:tailEnd/>
+          </a:ln>
+        </p:spPr>
+      </p:pic>
+    </p:spTree>
+  </p:cSld>
+  <p:clrMapOvr>
+    <a:masterClrMapping/>
+  </p:clrMapOvr>
+  <p:timing>
+    <p:tnLst>
+      <p:par>
+        <p:cTn id="1" dur="indefinite" restart="never" nodeType="tmRoot"/>
+      </p:par>
+    </p:tnLst>
+  </p:timing>
+</p:sld>
+</file>
+
+<file path=ppt/slides/slide9.xml><?xml version="1.0" encoding="utf-8"?>
 <p:sld xmlns:a="http://schemas.openxmlformats.org/drawingml/2006/main" xmlns:r="http://schemas.openxmlformats.org/officeDocument/2006/relationships" xmlns:p="http://schemas.openxmlformats.org/presentationml/2006/main">
   <p:cSld>
     <p:spTree>
@@ -5877,382 +9257,6 @@
       </p:par>
     </p:tnLst>
   </p:timing>
-</p:sld>
-</file>
-
-<file path=ppt/slides/slide6.xml><?xml version="1.0" encoding="utf-8"?>
-<p:sld xmlns:a="http://schemas.openxmlformats.org/drawingml/2006/main" xmlns:r="http://schemas.openxmlformats.org/officeDocument/2006/relationships" xmlns:p="http://schemas.openxmlformats.org/presentationml/2006/main">
-  <p:cSld>
-    <p:spTree>
-      <p:nvGrpSpPr>
-        <p:cNvPr id="1" name=""/>
-        <p:cNvGrpSpPr/>
-        <p:nvPr/>
-      </p:nvGrpSpPr>
-      <p:grpSpPr>
-        <a:xfrm>
-          <a:off x="0" y="0"/>
-          <a:ext cx="0" cy="0"/>
-          <a:chOff x="0" y="0"/>
-          <a:chExt cx="0" cy="0"/>
-        </a:xfrm>
-      </p:grpSpPr>
-      <p:pic>
-        <p:nvPicPr>
-          <p:cNvPr id="11" name="Imagem 10" descr="Grama.jpg"/>
-          <p:cNvPicPr>
-            <a:picLocks noChangeAspect="1"/>
-          </p:cNvPicPr>
-          <p:nvPr/>
-        </p:nvPicPr>
-        <p:blipFill>
-          <a:blip r:embed="rId3" cstate="print"/>
-          <a:srcRect l="8333" r="8333"/>
-          <a:stretch>
-            <a:fillRect/>
-          </a:stretch>
-        </p:blipFill>
-        <p:spPr>
-          <a:xfrm>
-            <a:off x="0" y="0"/>
-            <a:ext cx="9144000" cy="6858000"/>
-          </a:xfrm>
-          <a:prstGeom prst="rect">
-            <a:avLst/>
-          </a:prstGeom>
-        </p:spPr>
-      </p:pic>
-      <p:pic>
-        <p:nvPicPr>
-          <p:cNvPr id="7" name="Imagem 6" descr="logo.png"/>
-          <p:cNvPicPr>
-            <a:picLocks noChangeAspect="1"/>
-          </p:cNvPicPr>
-          <p:nvPr/>
-        </p:nvPicPr>
-        <p:blipFill>
-          <a:blip r:embed="rId4" cstate="print"/>
-          <a:srcRect l="12574" t="13708" r="12574" b="29586"/>
-          <a:stretch>
-            <a:fillRect/>
-          </a:stretch>
-        </p:blipFill>
-        <p:spPr>
-          <a:xfrm>
-            <a:off x="7596336" y="188640"/>
-            <a:ext cx="1368152" cy="1036479"/>
-          </a:xfrm>
-          <a:prstGeom prst="rect">
-            <a:avLst/>
-          </a:prstGeom>
-        </p:spPr>
-      </p:pic>
-      <p:pic>
-        <p:nvPicPr>
-          <p:cNvPr id="9" name="Imagem 8" descr="pet-default.png"/>
-          <p:cNvPicPr>
-            <a:picLocks noChangeAspect="1"/>
-          </p:cNvPicPr>
-          <p:nvPr/>
-        </p:nvPicPr>
-        <p:blipFill>
-          <a:blip r:embed="rId5" cstate="print"/>
-          <a:stretch>
-            <a:fillRect/>
-          </a:stretch>
-        </p:blipFill>
-        <p:spPr>
-          <a:xfrm>
-            <a:off x="0" y="5013176"/>
-            <a:ext cx="4680520" cy="2047728"/>
-          </a:xfrm>
-          <a:prstGeom prst="rect">
-            <a:avLst/>
-          </a:prstGeom>
-        </p:spPr>
-      </p:pic>
-      <p:pic>
-        <p:nvPicPr>
-          <p:cNvPr id="10" name="Imagem 9" descr="pet-default.png"/>
-          <p:cNvPicPr>
-            <a:picLocks noChangeAspect="1"/>
-          </p:cNvPicPr>
-          <p:nvPr/>
-        </p:nvPicPr>
-        <p:blipFill>
-          <a:blip r:embed="rId5" cstate="print"/>
-          <a:stretch>
-            <a:fillRect/>
-          </a:stretch>
-        </p:blipFill>
-        <p:spPr>
-          <a:xfrm flipH="1">
-            <a:off x="4680520" y="5013176"/>
-            <a:ext cx="4463480" cy="2047728"/>
-          </a:xfrm>
-          <a:prstGeom prst="rect">
-            <a:avLst/>
-          </a:prstGeom>
-        </p:spPr>
-      </p:pic>
-      <p:sp>
-        <p:nvSpPr>
-          <p:cNvPr id="12" name="Retângulo 11"/>
-          <p:cNvSpPr/>
-          <p:nvPr/>
-        </p:nvSpPr>
-        <p:spPr>
-          <a:xfrm>
-            <a:off x="251520" y="188640"/>
-            <a:ext cx="4248472" cy="923330"/>
-          </a:xfrm>
-          <a:prstGeom prst="rect">
-            <a:avLst/>
-          </a:prstGeom>
-          <a:noFill/>
-        </p:spPr>
-        <p:txBody>
-          <a:bodyPr wrap="square" lIns="91440" tIns="45720" rIns="91440" bIns="45720">
-            <a:spAutoFit/>
-          </a:bodyPr>
-          <a:lstStyle/>
-          <a:p>
-            <a:r>
-              <a:rPr lang="pt-BR" sz="5400" b="1" dirty="0" smtClean="0">
-                <a:ln w="17780" cmpd="sng">
-                  <a:solidFill>
-                    <a:srgbClr val="FFFFFF"/>
-                  </a:solidFill>
-                  <a:prstDash val="solid"/>
-                  <a:miter lim="800000"/>
-                </a:ln>
-                <a:gradFill rotWithShape="1">
-                  <a:gsLst>
-                    <a:gs pos="0">
-                      <a:srgbClr val="000000">
-                        <a:tint val="92000"/>
-                        <a:shade val="100000"/>
-                        <a:satMod val="150000"/>
-                      </a:srgbClr>
-                    </a:gs>
-                    <a:gs pos="49000">
-                      <a:srgbClr val="000000">
-                        <a:tint val="89000"/>
-                        <a:shade val="90000"/>
-                        <a:satMod val="150000"/>
-                      </a:srgbClr>
-                    </a:gs>
-                    <a:gs pos="50000">
-                      <a:srgbClr val="000000">
-                        <a:tint val="100000"/>
-                        <a:shade val="75000"/>
-                        <a:satMod val="150000"/>
-                      </a:srgbClr>
-                    </a:gs>
-                    <a:gs pos="95000">
-                      <a:srgbClr val="000000">
-                        <a:shade val="47000"/>
-                        <a:satMod val="150000"/>
-                      </a:srgbClr>
-                    </a:gs>
-                    <a:gs pos="100000">
-                      <a:srgbClr val="000000">
-                        <a:shade val="39000"/>
-                        <a:satMod val="150000"/>
-                      </a:srgbClr>
-                    </a:gs>
-                  </a:gsLst>
-                  <a:lin ang="5400000"/>
-                </a:gradFill>
-                <a:effectLst>
-                  <a:outerShdw blurRad="50800" algn="tl" rotWithShape="0">
-                    <a:srgbClr val="000000"/>
-                  </a:outerShdw>
-                </a:effectLst>
-                <a:latin typeface="Dimitri" pitchFamily="2" charset="0"/>
-              </a:rPr>
-              <a:t>Cronograma</a:t>
-            </a:r>
-            <a:endParaRPr lang="pt-BR" sz="5400" b="1" cap="none" spc="0" dirty="0">
-              <a:ln w="17780" cmpd="sng">
-                <a:solidFill>
-                  <a:srgbClr val="FFFFFF"/>
-                </a:solidFill>
-                <a:prstDash val="solid"/>
-                <a:miter lim="800000"/>
-              </a:ln>
-              <a:gradFill rotWithShape="1">
-                <a:gsLst>
-                  <a:gs pos="0">
-                    <a:srgbClr val="000000">
-                      <a:tint val="92000"/>
-                      <a:shade val="100000"/>
-                      <a:satMod val="150000"/>
-                    </a:srgbClr>
-                  </a:gs>
-                  <a:gs pos="49000">
-                    <a:srgbClr val="000000">
-                      <a:tint val="89000"/>
-                      <a:shade val="90000"/>
-                      <a:satMod val="150000"/>
-                    </a:srgbClr>
-                  </a:gs>
-                  <a:gs pos="50000">
-                    <a:srgbClr val="000000">
-                      <a:tint val="100000"/>
-                      <a:shade val="75000"/>
-                      <a:satMod val="150000"/>
-                    </a:srgbClr>
-                  </a:gs>
-                  <a:gs pos="95000">
-                    <a:srgbClr val="000000">
-                      <a:shade val="47000"/>
-                      <a:satMod val="150000"/>
-                    </a:srgbClr>
-                  </a:gs>
-                  <a:gs pos="100000">
-                    <a:srgbClr val="000000">
-                      <a:shade val="39000"/>
-                      <a:satMod val="150000"/>
-                    </a:srgbClr>
-                  </a:gs>
-                </a:gsLst>
-                <a:lin ang="5400000"/>
-              </a:gradFill>
-              <a:effectLst>
-                <a:outerShdw blurRad="50800" algn="tl" rotWithShape="0">
-                  <a:srgbClr val="000000"/>
-                </a:outerShdw>
-              </a:effectLst>
-              <a:latin typeface="Dimitri" pitchFamily="2" charset="0"/>
-            </a:endParaRPr>
-          </a:p>
-        </p:txBody>
-      </p:sp>
-      <p:pic>
-        <p:nvPicPr>
-          <p:cNvPr id="13" name="Imagem 12" descr="calendar.png"/>
-          <p:cNvPicPr>
-            <a:picLocks noChangeAspect="1"/>
-          </p:cNvPicPr>
-          <p:nvPr/>
-        </p:nvPicPr>
-        <p:blipFill>
-          <a:blip r:embed="rId6" cstate="print"/>
-          <a:stretch>
-            <a:fillRect/>
-          </a:stretch>
-        </p:blipFill>
-        <p:spPr>
-          <a:xfrm>
-            <a:off x="179512" y="1340768"/>
-            <a:ext cx="8748464" cy="4392488"/>
-          </a:xfrm>
-          <a:prstGeom prst="rect">
-            <a:avLst/>
-          </a:prstGeom>
-        </p:spPr>
-      </p:pic>
-    </p:spTree>
-  </p:cSld>
-  <p:clrMapOvr>
-    <a:masterClrMapping/>
-  </p:clrMapOvr>
-  <p:timing>
-    <p:tnLst>
-      <p:par>
-        <p:cTn id="1" dur="indefinite" restart="never" nodeType="tmRoot"/>
-      </p:par>
-    </p:tnLst>
-  </p:timing>
-</p:sld>
-</file>
-
-<file path=ppt/slides/slide7.xml><?xml version="1.0" encoding="utf-8"?>
-<p:sld xmlns:a="http://schemas.openxmlformats.org/drawingml/2006/main" xmlns:r="http://schemas.openxmlformats.org/officeDocument/2006/relationships" xmlns:p="http://schemas.openxmlformats.org/presentationml/2006/main">
-  <p:cSld>
-    <p:spTree>
-      <p:nvGrpSpPr>
-        <p:cNvPr id="1" name=""/>
-        <p:cNvGrpSpPr/>
-        <p:nvPr/>
-      </p:nvGrpSpPr>
-      <p:grpSpPr>
-        <a:xfrm>
-          <a:off x="0" y="0"/>
-          <a:ext cx="0" cy="0"/>
-          <a:chOff x="0" y="0"/>
-          <a:chExt cx="0" cy="0"/>
-        </a:xfrm>
-      </p:grpSpPr>
-      <p:sp>
-        <p:nvSpPr>
-          <p:cNvPr id="2" name="Título 1"/>
-          <p:cNvSpPr>
-            <a:spLocks noGrp="1"/>
-          </p:cNvSpPr>
-          <p:nvPr>
-            <p:ph type="title"/>
-          </p:nvPr>
-        </p:nvSpPr>
-        <p:spPr/>
-        <p:txBody>
-          <a:bodyPr/>
-          <a:lstStyle/>
-          <a:p>
-            <a:endParaRPr lang="pt-BR"/>
-          </a:p>
-        </p:txBody>
-      </p:sp>
-      <p:sp>
-        <p:nvSpPr>
-          <p:cNvPr id="3" name="Espaço Reservado para Conteúdo 2"/>
-          <p:cNvSpPr>
-            <a:spLocks noGrp="1"/>
-          </p:cNvSpPr>
-          <p:nvPr>
-            <p:ph idx="1"/>
-          </p:nvPr>
-        </p:nvSpPr>
-        <p:spPr/>
-        <p:txBody>
-          <a:bodyPr/>
-          <a:lstStyle/>
-          <a:p>
-            <a:endParaRPr lang="pt-BR"/>
-          </a:p>
-        </p:txBody>
-      </p:sp>
-      <p:pic>
-        <p:nvPicPr>
-          <p:cNvPr id="5" name="Imagem 4" descr="image.jpg"/>
-          <p:cNvPicPr>
-            <a:picLocks noChangeAspect="1"/>
-          </p:cNvPicPr>
-          <p:nvPr/>
-        </p:nvPicPr>
-        <p:blipFill>
-          <a:blip r:embed="rId2" cstate="print"/>
-          <a:srcRect l="10340" r="14660"/>
-          <a:stretch>
-            <a:fillRect/>
-          </a:stretch>
-        </p:blipFill>
-        <p:spPr>
-          <a:xfrm>
-            <a:off x="0" y="1"/>
-            <a:ext cx="9144000" cy="6857999"/>
-          </a:xfrm>
-          <a:prstGeom prst="rect">
-            <a:avLst/>
-          </a:prstGeom>
-        </p:spPr>
-      </p:pic>
-    </p:spTree>
-  </p:cSld>
-  <p:clrMapOvr>
-    <a:masterClrMapping/>
-  </p:clrMapOvr>
 </p:sld>
 </file>
 
